--- a/Slides/SemTech West 2012 Conference Presentation.pptx
+++ b/Slides/SemTech West 2012 Conference Presentation.pptx
@@ -5,10 +5,10 @@
     <p:sldMasterId id="2147483927" r:id="rId1"/>
   </p:sldMasterIdLst>
   <p:notesMasterIdLst>
-    <p:notesMasterId r:id="rId10"/>
+    <p:notesMasterId r:id="rId12"/>
   </p:notesMasterIdLst>
   <p:handoutMasterIdLst>
-    <p:handoutMasterId r:id="rId11"/>
+    <p:handoutMasterId r:id="rId13"/>
   </p:handoutMasterIdLst>
   <p:sldIdLst>
     <p:sldId id="367" r:id="rId2"/>
@@ -19,6 +19,8 @@
     <p:sldId id="372" r:id="rId7"/>
     <p:sldId id="375" r:id="rId8"/>
     <p:sldId id="376" r:id="rId9"/>
+    <p:sldId id="377" r:id="rId10"/>
+    <p:sldId id="378" r:id="rId11"/>
   </p:sldIdLst>
   <p:sldSz cx="9144000" cy="6858000" type="letter"/>
   <p:notesSz cx="6950075" cy="9236075"/>
@@ -233,7 +235,7 @@
             <a:fld id="{D4A1D733-05F0-427A-BB00-1B0160BD5054}" type="datetimeFigureOut">
               <a:rPr lang="en-US" smtClean="0"/>
               <a:pPr/>
-              <a:t>4/16/2012</a:t>
+              <a:t>4/23/2012</a:t>
             </a:fld>
             <a:endParaRPr lang="en-US"/>
           </a:p>
@@ -400,7 +402,7 @@
             <a:fld id="{44016A93-A98D-354F-9CDC-CB7C878AEC78}" type="datetimeFigureOut">
               <a:rPr lang="en-US" smtClean="0"/>
               <a:pPr/>
-              <a:t>4/16/2012</a:t>
+              <a:t>4/23/2012</a:t>
             </a:fld>
             <a:endParaRPr lang="en-US"/>
           </a:p>
@@ -2147,6 +2149,81 @@
 </p:sld>
 </file>
 
+<file path=ppt/slides/slide10.xml><?xml version="1.0" encoding="utf-8"?>
+<p:sld xmlns:a="http://schemas.openxmlformats.org/drawingml/2006/main" xmlns:r="http://schemas.openxmlformats.org/officeDocument/2006/relationships" xmlns:p="http://schemas.openxmlformats.org/presentationml/2006/main">
+  <p:cSld>
+    <p:spTree>
+      <p:nvGrpSpPr>
+        <p:cNvPr id="1" name=""/>
+        <p:cNvGrpSpPr/>
+        <p:nvPr/>
+      </p:nvGrpSpPr>
+      <p:grpSpPr>
+        <a:xfrm>
+          <a:off x="0" y="0"/>
+          <a:ext cx="0" cy="0"/>
+          <a:chOff x="0" y="0"/>
+          <a:chExt cx="0" cy="0"/>
+        </a:xfrm>
+      </p:grpSpPr>
+      <p:sp>
+        <p:nvSpPr>
+          <p:cNvPr id="2" name="Title 1"/>
+          <p:cNvSpPr>
+            <a:spLocks noGrp="1"/>
+          </p:cNvSpPr>
+          <p:nvPr>
+            <p:ph type="title"/>
+          </p:nvPr>
+        </p:nvSpPr>
+        <p:spPr/>
+        <p:txBody>
+          <a:bodyPr/>
+          <a:lstStyle/>
+          <a:p>
+            <a:r>
+              <a:rPr lang="en-US" dirty="0" smtClean="0"/>
+              <a:t>Example Results – Query Runtimes</a:t>
+            </a:r>
+            <a:endParaRPr lang="en-US" dirty="0"/>
+          </a:p>
+        </p:txBody>
+      </p:sp>
+      <p:sp>
+        <p:nvSpPr>
+          <p:cNvPr id="3" name="Content Placeholder 2"/>
+          <p:cNvSpPr>
+            <a:spLocks noGrp="1"/>
+          </p:cNvSpPr>
+          <p:nvPr>
+            <p:ph idx="1"/>
+          </p:nvPr>
+        </p:nvSpPr>
+        <p:spPr/>
+        <p:txBody>
+          <a:bodyPr/>
+          <a:lstStyle/>
+          <a:p>
+            <a:endParaRPr lang="en-US"/>
+          </a:p>
+        </p:txBody>
+      </p:sp>
+    </p:spTree>
+    <p:extLst>
+      <p:ext uri="{BB962C8B-B14F-4D97-AF65-F5344CB8AC3E}">
+        <p14:creationId xmlns:p14="http://schemas.microsoft.com/office/powerpoint/2010/main" val="797267181"/>
+      </p:ext>
+    </p:extLst>
+  </p:cSld>
+  <p:clrMapOvr>
+    <a:masterClrMapping/>
+  </p:clrMapOvr>
+  <p:transition>
+    <p:fade/>
+  </p:transition>
+</p:sld>
+</file>
+
 <file path=ppt/slides/slide2.xml><?xml version="1.0" encoding="utf-8"?>
 <p:sld xmlns:a="http://schemas.openxmlformats.org/drawingml/2006/main" xmlns:r="http://schemas.openxmlformats.org/officeDocument/2006/relationships" xmlns:p="http://schemas.openxmlformats.org/presentationml/2006/main">
   <p:cSld>
@@ -3032,41 +3109,50 @@
           <a:p>
             <a:r>
               <a:rPr lang="en-US" dirty="0" smtClean="0"/>
-              <a:t>Run on a late 2011 MacBook Pro</a:t>
+              <a:t>Run on </a:t>
+            </a:r>
+            <a:r>
+              <a:rPr lang="en-US" dirty="0" smtClean="0"/>
+              <a:t>following systems</a:t>
             </a:r>
           </a:p>
           <a:p>
             <a:pPr lvl="1"/>
             <a:r>
               <a:rPr lang="en-US" dirty="0" smtClean="0"/>
-              <a:t>Quad Core</a:t>
+              <a:t>*nix based stores run on late 2011 Mac Book Pro (quad core, 8GB RAM, SSD)</a:t>
+            </a:r>
+          </a:p>
+          <a:p>
+            <a:pPr lvl="2"/>
+            <a:r>
+              <a:rPr lang="en-US" dirty="0" smtClean="0"/>
+              <a:t>Java heap space set to 4GB</a:t>
             </a:r>
           </a:p>
           <a:p>
             <a:pPr lvl="1"/>
             <a:r>
               <a:rPr lang="en-US" dirty="0" smtClean="0"/>
-              <a:t>8GB RAM</a:t>
+              <a:t>Windows based stores run on HP Laptop (dual core, 4GB RAM, HDD)</a:t>
             </a:r>
           </a:p>
           <a:p>
             <a:pPr lvl="1"/>
             <a:r>
               <a:rPr lang="en-US" dirty="0" smtClean="0"/>
-              <a:t>SSD</a:t>
-            </a:r>
-          </a:p>
-          <a:p>
-            <a:pPr lvl="1"/>
-            <a:r>
-              <a:rPr lang="en-US" dirty="0" smtClean="0"/>
-              <a:t>All non-essential programs shutdown during benchmarking</a:t>
-            </a:r>
-          </a:p>
-          <a:p>
-            <a:r>
-              <a:rPr lang="en-US" dirty="0" smtClean="0"/>
-              <a:t>Benchmarked Stores</a:t>
+              <a:t>Both low powered systems compared to servers</a:t>
+            </a:r>
+            <a:endParaRPr lang="en-US" dirty="0"/>
+          </a:p>
+          <a:p>
+            <a:r>
+              <a:rPr lang="en-US" dirty="0" smtClean="0"/>
+              <a:t>Benchmarked </a:t>
+            </a:r>
+            <a:r>
+              <a:rPr lang="en-US" dirty="0" smtClean="0"/>
+              <a:t>Stores</a:t>
             </a:r>
           </a:p>
           <a:p>
@@ -3084,25 +3170,53 @@
             </a:r>
             <a:r>
               <a:rPr lang="en-US" dirty="0" smtClean="0"/>
-              <a:t> 0.9.3</a:t>
-            </a:r>
+              <a:t> </a:t>
+            </a:r>
+            <a:r>
+              <a:rPr lang="en-US" dirty="0" smtClean="0"/>
+              <a:t>0.9.4 (Disk and </a:t>
+            </a:r>
+            <a:r>
+              <a:rPr lang="en-US" smtClean="0"/>
+              <a:t>Memory stores)</a:t>
+            </a:r>
+            <a:endParaRPr lang="en-US" dirty="0" smtClean="0"/>
           </a:p>
           <a:p>
             <a:pPr lvl="1"/>
             <a:r>
               <a:rPr lang="en-US" dirty="0" smtClean="0"/>
-              <a:t>Sesame 2.6.4 (Native Store)</a:t>
+              <a:t>Sesame </a:t>
+            </a:r>
+            <a:r>
+              <a:rPr lang="en-US" dirty="0" smtClean="0"/>
+              <a:t>2.6.5 </a:t>
+            </a:r>
+            <a:r>
+              <a:rPr lang="en-US" dirty="0" smtClean="0"/>
+              <a:t>(Native Store)</a:t>
             </a:r>
           </a:p>
           <a:p>
             <a:pPr lvl="1"/>
             <a:r>
               <a:rPr lang="en-US" dirty="0" smtClean="0"/>
-              <a:t>Virtuoso 6.1.5 (Open </a:t>
-            </a:r>
-            <a:r>
-              <a:rPr lang="en-US" smtClean="0"/>
-              <a:t>Source Edition)</a:t>
+              <a:t>Virtuoso 6.1.5 (Open Source Edition</a:t>
+            </a:r>
+            <a:r>
+              <a:rPr lang="en-US" dirty="0" smtClean="0"/>
+              <a:t>)</a:t>
+            </a:r>
+          </a:p>
+          <a:p>
+            <a:pPr lvl="1"/>
+            <a:r>
+              <a:rPr lang="en-US" dirty="0" err="1" smtClean="0"/>
+              <a:t>dotNetRDF</a:t>
+            </a:r>
+            <a:r>
+              <a:rPr lang="en-US" dirty="0" smtClean="0"/>
+              <a:t> (In-Memory)</a:t>
             </a:r>
             <a:endParaRPr lang="en-US" dirty="0"/>
           </a:p>
@@ -3112,6 +3226,85 @@
     <p:extLst>
       <p:ext uri="{BB962C8B-B14F-4D97-AF65-F5344CB8AC3E}">
         <p14:creationId xmlns:p14="http://schemas.microsoft.com/office/powerpoint/2010/main" val="1079105204"/>
+      </p:ext>
+    </p:extLst>
+  </p:cSld>
+  <p:clrMapOvr>
+    <a:masterClrMapping/>
+  </p:clrMapOvr>
+  <p:transition>
+    <p:fade/>
+  </p:transition>
+</p:sld>
+</file>
+
+<file path=ppt/slides/slide9.xml><?xml version="1.0" encoding="utf-8"?>
+<p:sld xmlns:a="http://schemas.openxmlformats.org/drawingml/2006/main" xmlns:r="http://schemas.openxmlformats.org/officeDocument/2006/relationships" xmlns:p="http://schemas.openxmlformats.org/presentationml/2006/main">
+  <p:cSld>
+    <p:spTree>
+      <p:nvGrpSpPr>
+        <p:cNvPr id="1" name=""/>
+        <p:cNvGrpSpPr/>
+        <p:nvPr/>
+      </p:nvGrpSpPr>
+      <p:grpSpPr>
+        <a:xfrm>
+          <a:off x="0" y="0"/>
+          <a:ext cx="0" cy="0"/>
+          <a:chOff x="0" y="0"/>
+          <a:chExt cx="0" cy="0"/>
+        </a:xfrm>
+      </p:grpSpPr>
+      <p:sp>
+        <p:nvSpPr>
+          <p:cNvPr id="2" name="Title 1"/>
+          <p:cNvSpPr>
+            <a:spLocks noGrp="1"/>
+          </p:cNvSpPr>
+          <p:nvPr>
+            <p:ph type="title"/>
+          </p:nvPr>
+        </p:nvSpPr>
+        <p:spPr/>
+        <p:txBody>
+          <a:bodyPr/>
+          <a:lstStyle/>
+          <a:p>
+            <a:r>
+              <a:rPr lang="en-US" dirty="0" smtClean="0"/>
+              <a:t>Example Results – </a:t>
+            </a:r>
+            <a:r>
+              <a:rPr lang="en-US" dirty="0" err="1" smtClean="0"/>
+              <a:t>QMpH</a:t>
+            </a:r>
+            <a:endParaRPr lang="en-US" dirty="0"/>
+          </a:p>
+        </p:txBody>
+      </p:sp>
+      <p:sp>
+        <p:nvSpPr>
+          <p:cNvPr id="3" name="Content Placeholder 2"/>
+          <p:cNvSpPr>
+            <a:spLocks noGrp="1"/>
+          </p:cNvSpPr>
+          <p:nvPr>
+            <p:ph idx="1"/>
+          </p:nvPr>
+        </p:nvSpPr>
+        <p:spPr/>
+        <p:txBody>
+          <a:bodyPr/>
+          <a:lstStyle/>
+          <a:p>
+            <a:endParaRPr lang="en-US"/>
+          </a:p>
+        </p:txBody>
+      </p:sp>
+    </p:spTree>
+    <p:extLst>
+      <p:ext uri="{BB962C8B-B14F-4D97-AF65-F5344CB8AC3E}">
+        <p14:creationId xmlns:p14="http://schemas.microsoft.com/office/powerpoint/2010/main" val="1721228897"/>
       </p:ext>
     </p:extLst>
   </p:cSld>

--- a/Slides/SemTech West 2012 Conference Presentation.pptx
+++ b/Slides/SemTech West 2012 Conference Presentation.pptx
@@ -5,10 +5,10 @@
     <p:sldMasterId id="2147483927" r:id="rId1"/>
   </p:sldMasterIdLst>
   <p:notesMasterIdLst>
-    <p:notesMasterId r:id="rId12"/>
+    <p:notesMasterId r:id="rId15"/>
   </p:notesMasterIdLst>
   <p:handoutMasterIdLst>
-    <p:handoutMasterId r:id="rId13"/>
+    <p:handoutMasterId r:id="rId16"/>
   </p:handoutMasterIdLst>
   <p:sldIdLst>
     <p:sldId id="367" r:id="rId2"/>
@@ -20,7 +20,10 @@
     <p:sldId id="375" r:id="rId8"/>
     <p:sldId id="376" r:id="rId9"/>
     <p:sldId id="377" r:id="rId10"/>
-    <p:sldId id="378" r:id="rId11"/>
+    <p:sldId id="379" r:id="rId11"/>
+    <p:sldId id="378" r:id="rId12"/>
+    <p:sldId id="381" r:id="rId13"/>
+    <p:sldId id="380" r:id="rId14"/>
   </p:sldIdLst>
   <p:sldSz cx="9144000" cy="6858000" type="letter"/>
   <p:notesSz cx="6950075" cy="9236075"/>
@@ -235,7 +238,7 @@
             <a:fld id="{D4A1D733-05F0-427A-BB00-1B0160BD5054}" type="datetimeFigureOut">
               <a:rPr lang="en-US" smtClean="0"/>
               <a:pPr/>
-              <a:t>4/23/2012</a:t>
+              <a:t>4/27/2012</a:t>
             </a:fld>
             <a:endParaRPr lang="en-US"/>
           </a:p>
@@ -402,7 +405,7 @@
             <a:fld id="{44016A93-A98D-354F-9CDC-CB7C878AEC78}" type="datetimeFigureOut">
               <a:rPr lang="en-US" smtClean="0"/>
               <a:pPr/>
-              <a:t>4/23/2012</a:t>
+              <a:t>4/27/2012</a:t>
             </a:fld>
             <a:endParaRPr lang="en-US"/>
           </a:p>
@@ -2183,7 +2186,7 @@
           <a:p>
             <a:r>
               <a:rPr lang="en-US" dirty="0" smtClean="0"/>
-              <a:t>Example Results – Query Runtimes</a:t>
+              <a:t>Example Results – Average Mix Runtime</a:t>
             </a:r>
             <a:endParaRPr lang="en-US" dirty="0"/>
           </a:p>
@@ -2211,7 +2214,240 @@
     </p:spTree>
     <p:extLst>
       <p:ext uri="{BB962C8B-B14F-4D97-AF65-F5344CB8AC3E}">
+        <p14:creationId xmlns:p14="http://schemas.microsoft.com/office/powerpoint/2010/main" val="217468073"/>
+      </p:ext>
+    </p:extLst>
+  </p:cSld>
+  <p:clrMapOvr>
+    <a:masterClrMapping/>
+  </p:clrMapOvr>
+  <p:transition>
+    <p:fade/>
+  </p:transition>
+</p:sld>
+</file>
+
+<file path=ppt/slides/slide11.xml><?xml version="1.0" encoding="utf-8"?>
+<p:sld xmlns:a="http://schemas.openxmlformats.org/drawingml/2006/main" xmlns:r="http://schemas.openxmlformats.org/officeDocument/2006/relationships" xmlns:p="http://schemas.openxmlformats.org/presentationml/2006/main">
+  <p:cSld>
+    <p:spTree>
+      <p:nvGrpSpPr>
+        <p:cNvPr id="1" name=""/>
+        <p:cNvGrpSpPr/>
+        <p:nvPr/>
+      </p:nvGrpSpPr>
+      <p:grpSpPr>
+        <a:xfrm>
+          <a:off x="0" y="0"/>
+          <a:ext cx="0" cy="0"/>
+          <a:chOff x="0" y="0"/>
+          <a:chExt cx="0" cy="0"/>
+        </a:xfrm>
+      </p:grpSpPr>
+      <p:sp>
+        <p:nvSpPr>
+          <p:cNvPr id="2" name="Title 1"/>
+          <p:cNvSpPr>
+            <a:spLocks noGrp="1"/>
+          </p:cNvSpPr>
+          <p:nvPr>
+            <p:ph type="title"/>
+          </p:nvPr>
+        </p:nvSpPr>
+        <p:spPr/>
+        <p:txBody>
+          <a:bodyPr/>
+          <a:lstStyle/>
+          <a:p>
+            <a:r>
+              <a:rPr lang="en-US" dirty="0" smtClean="0"/>
+              <a:t>Example Results – Query Runtimes</a:t>
+            </a:r>
+            <a:endParaRPr lang="en-US" dirty="0"/>
+          </a:p>
+        </p:txBody>
+      </p:sp>
+      <p:sp>
+        <p:nvSpPr>
+          <p:cNvPr id="3" name="Content Placeholder 2"/>
+          <p:cNvSpPr>
+            <a:spLocks noGrp="1"/>
+          </p:cNvSpPr>
+          <p:nvPr>
+            <p:ph idx="1"/>
+          </p:nvPr>
+        </p:nvSpPr>
+        <p:spPr/>
+        <p:txBody>
+          <a:bodyPr/>
+          <a:lstStyle/>
+          <a:p>
+            <a:endParaRPr lang="en-US"/>
+          </a:p>
+        </p:txBody>
+      </p:sp>
+    </p:spTree>
+    <p:extLst>
+      <p:ext uri="{BB962C8B-B14F-4D97-AF65-F5344CB8AC3E}">
         <p14:creationId xmlns:p14="http://schemas.microsoft.com/office/powerpoint/2010/main" val="797267181"/>
+      </p:ext>
+    </p:extLst>
+  </p:cSld>
+  <p:clrMapOvr>
+    <a:masterClrMapping/>
+  </p:clrMapOvr>
+  <p:transition>
+    <p:fade/>
+  </p:transition>
+</p:sld>
+</file>
+
+<file path=ppt/slides/slide12.xml><?xml version="1.0" encoding="utf-8"?>
+<p:sld xmlns:a="http://schemas.openxmlformats.org/drawingml/2006/main" xmlns:r="http://schemas.openxmlformats.org/officeDocument/2006/relationships" xmlns:p="http://schemas.openxmlformats.org/presentationml/2006/main">
+  <p:cSld>
+    <p:spTree>
+      <p:nvGrpSpPr>
+        <p:cNvPr id="1" name=""/>
+        <p:cNvGrpSpPr/>
+        <p:nvPr/>
+      </p:nvGrpSpPr>
+      <p:grpSpPr>
+        <a:xfrm>
+          <a:off x="0" y="0"/>
+          <a:ext cx="0" cy="0"/>
+          <a:chOff x="0" y="0"/>
+          <a:chExt cx="0" cy="0"/>
+        </a:xfrm>
+      </p:grpSpPr>
+      <p:sp>
+        <p:nvSpPr>
+          <p:cNvPr id="2" name="Title 1"/>
+          <p:cNvSpPr>
+            <a:spLocks noGrp="1"/>
+          </p:cNvSpPr>
+          <p:nvPr>
+            <p:ph type="title"/>
+          </p:nvPr>
+        </p:nvSpPr>
+        <p:spPr/>
+        <p:txBody>
+          <a:bodyPr/>
+          <a:lstStyle/>
+          <a:p>
+            <a:r>
+              <a:rPr lang="en-US" dirty="0" smtClean="0"/>
+              <a:t>Code &amp; Example Results</a:t>
+            </a:r>
+            <a:endParaRPr lang="en-US" dirty="0"/>
+          </a:p>
+        </p:txBody>
+      </p:sp>
+      <p:sp>
+        <p:nvSpPr>
+          <p:cNvPr id="3" name="Content Placeholder 2"/>
+          <p:cNvSpPr>
+            <a:spLocks noGrp="1"/>
+          </p:cNvSpPr>
+          <p:nvPr>
+            <p:ph idx="1"/>
+          </p:nvPr>
+        </p:nvSpPr>
+        <p:spPr/>
+        <p:txBody>
+          <a:bodyPr/>
+          <a:lstStyle/>
+          <a:p>
+            <a:r>
+              <a:rPr lang="en-US" dirty="0" smtClean="0"/>
+              <a:t>Currently undergoing Legal and IP Clearance</a:t>
+            </a:r>
+          </a:p>
+          <a:p>
+            <a:r>
+              <a:rPr lang="en-US" dirty="0" smtClean="0"/>
+              <a:t>Should be open sourced shortly</a:t>
+            </a:r>
+          </a:p>
+          <a:p>
+            <a:pPr lvl="1"/>
+            <a:r>
+              <a:rPr lang="en-US" dirty="0" smtClean="0"/>
+              <a:t>Apologies this isn’t yet available at time of writing</a:t>
+            </a:r>
+          </a:p>
+          <a:p>
+            <a:r>
+              <a:rPr lang="en-US" dirty="0" smtClean="0"/>
+              <a:t>Example Results </a:t>
+            </a:r>
+            <a:r>
+              <a:rPr lang="en-US" smtClean="0"/>
+              <a:t>data available from TBC</a:t>
+            </a:r>
+            <a:endParaRPr lang="en-US" dirty="0"/>
+          </a:p>
+        </p:txBody>
+      </p:sp>
+    </p:spTree>
+    <p:extLst>
+      <p:ext uri="{BB962C8B-B14F-4D97-AF65-F5344CB8AC3E}">
+        <p14:creationId xmlns:p14="http://schemas.microsoft.com/office/powerpoint/2010/main" val="37008486"/>
+      </p:ext>
+    </p:extLst>
+  </p:cSld>
+  <p:clrMapOvr>
+    <a:masterClrMapping/>
+  </p:clrMapOvr>
+  <p:transition>
+    <p:fade/>
+  </p:transition>
+</p:sld>
+</file>
+
+<file path=ppt/slides/slide13.xml><?xml version="1.0" encoding="utf-8"?>
+<p:sld xmlns:a="http://schemas.openxmlformats.org/drawingml/2006/main" xmlns:r="http://schemas.openxmlformats.org/officeDocument/2006/relationships" xmlns:p="http://schemas.openxmlformats.org/presentationml/2006/main">
+  <p:cSld>
+    <p:spTree>
+      <p:nvGrpSpPr>
+        <p:cNvPr id="1" name=""/>
+        <p:cNvGrpSpPr/>
+        <p:nvPr/>
+      </p:nvGrpSpPr>
+      <p:grpSpPr>
+        <a:xfrm>
+          <a:off x="0" y="0"/>
+          <a:ext cx="0" cy="0"/>
+          <a:chOff x="0" y="0"/>
+          <a:chExt cx="0" cy="0"/>
+        </a:xfrm>
+      </p:grpSpPr>
+      <p:sp>
+        <p:nvSpPr>
+          <p:cNvPr id="4" name="Title 3"/>
+          <p:cNvSpPr>
+            <a:spLocks noGrp="1"/>
+          </p:cNvSpPr>
+          <p:nvPr>
+            <p:ph type="title"/>
+          </p:nvPr>
+        </p:nvSpPr>
+        <p:spPr/>
+        <p:txBody>
+          <a:bodyPr/>
+          <a:lstStyle/>
+          <a:p>
+            <a:r>
+              <a:rPr lang="en-US" dirty="0" smtClean="0"/>
+              <a:t>Questions?</a:t>
+            </a:r>
+            <a:endParaRPr lang="en-US" dirty="0"/>
+          </a:p>
+        </p:txBody>
+      </p:sp>
+    </p:spTree>
+    <p:extLst>
+      <p:ext uri="{BB962C8B-B14F-4D97-AF65-F5344CB8AC3E}">
+        <p14:creationId xmlns:p14="http://schemas.microsoft.com/office/powerpoint/2010/main" val="2829355471"/>
       </p:ext>
     </p:extLst>
   </p:cSld>
@@ -3084,36 +3320,48 @@
         </p:nvSpPr>
         <p:spPr/>
         <p:txBody>
-          <a:bodyPr/>
+          <a:bodyPr>
+            <a:normAutofit lnSpcReduction="10000"/>
+          </a:bodyPr>
           <a:lstStyle/>
           <a:p>
             <a:r>
               <a:rPr lang="en-US" dirty="0" smtClean="0"/>
-              <a:t>SP2B at 10k, 50k and 250k run with 5 warm-ups and 25 runs</a:t>
-            </a:r>
+              <a:t>SP2B at 10k, 50k and 250k run with 5 warm-ups and 25 </a:t>
+            </a:r>
+            <a:r>
+              <a:rPr lang="en-US" dirty="0" smtClean="0"/>
+              <a:t>runs </a:t>
+            </a:r>
+            <a:endParaRPr lang="en-US" dirty="0" smtClean="0"/>
           </a:p>
           <a:p>
             <a:pPr lvl="1"/>
             <a:r>
               <a:rPr lang="en-US" dirty="0" smtClean="0"/>
-              <a:t>Using SPARQL TSV as result format</a:t>
+              <a:t>All </a:t>
+            </a:r>
+            <a:r>
+              <a:rPr lang="en-US" dirty="0" smtClean="0"/>
+              <a:t>options left as defaults i.e. full result </a:t>
+            </a:r>
+            <a:r>
+              <a:rPr lang="en-US" dirty="0" smtClean="0"/>
+              <a:t>counting</a:t>
             </a:r>
           </a:p>
           <a:p>
             <a:pPr lvl="1"/>
             <a:r>
               <a:rPr lang="en-US" dirty="0" smtClean="0"/>
-              <a:t>All options left as defaults i.e. full result counting</a:t>
-            </a:r>
-          </a:p>
-          <a:p>
-            <a:r>
-              <a:rPr lang="en-US" dirty="0" smtClean="0"/>
-              <a:t>Run on </a:t>
-            </a:r>
-            <a:r>
-              <a:rPr lang="en-US" dirty="0" smtClean="0"/>
-              <a:t>following systems</a:t>
+              <a:t>Runs for 250k skipped if store was incapable of performing the run in reasonable time</a:t>
+            </a:r>
+            <a:endParaRPr lang="en-US" dirty="0" smtClean="0"/>
+          </a:p>
+          <a:p>
+            <a:r>
+              <a:rPr lang="en-US" dirty="0" smtClean="0"/>
+              <a:t>Run on following systems</a:t>
             </a:r>
           </a:p>
           <a:p>
@@ -3148,11 +3396,7 @@
           <a:p>
             <a:r>
               <a:rPr lang="en-US" dirty="0" smtClean="0"/>
-              <a:t>Benchmarked </a:t>
-            </a:r>
-            <a:r>
-              <a:rPr lang="en-US" dirty="0" smtClean="0"/>
-              <a:t>Stores</a:t>
+              <a:t>Benchmarked Stores</a:t>
             </a:r>
           </a:p>
           <a:p>
@@ -3165,20 +3409,42 @@
           <a:p>
             <a:pPr lvl="1"/>
             <a:r>
+              <a:rPr lang="en-US" dirty="0" smtClean="0"/>
+              <a:t>Sesame </a:t>
+            </a:r>
+            <a:r>
+              <a:rPr lang="en-US" dirty="0" smtClean="0"/>
+              <a:t>2.6.5 </a:t>
+            </a:r>
+            <a:r>
+              <a:rPr lang="en-US" dirty="0" smtClean="0"/>
+              <a:t>(Memory and Native </a:t>
+            </a:r>
+            <a:r>
+              <a:rPr lang="en-US" dirty="0" smtClean="0"/>
+              <a:t>Store</a:t>
+            </a:r>
+            <a:r>
+              <a:rPr lang="en-US" dirty="0" smtClean="0"/>
+              <a:t>)</a:t>
+            </a:r>
+          </a:p>
+          <a:p>
+            <a:pPr lvl="1"/>
+            <a:r>
               <a:rPr lang="en-US" dirty="0" err="1" smtClean="0"/>
-              <a:t>Stardog</a:t>
-            </a:r>
-            <a:r>
-              <a:rPr lang="en-US" dirty="0" smtClean="0"/>
-              <a:t> </a:t>
-            </a:r>
-            <a:r>
-              <a:rPr lang="en-US" dirty="0" smtClean="0"/>
-              <a:t>0.9.4 (Disk and </a:t>
-            </a:r>
-            <a:r>
-              <a:rPr lang="en-US" smtClean="0"/>
-              <a:t>Memory stores)</a:t>
+              <a:t>Bigdata</a:t>
+            </a:r>
+            <a:r>
+              <a:rPr lang="en-US" dirty="0" smtClean="0"/>
+              <a:t> 1.2 (WORM Store)</a:t>
+            </a:r>
+          </a:p>
+          <a:p>
+            <a:pPr lvl="1"/>
+            <a:r>
+              <a:rPr lang="en-US" dirty="0" err="1" smtClean="0"/>
+              <a:t>Dydra</a:t>
             </a:r>
             <a:endParaRPr lang="en-US" dirty="0" smtClean="0"/>
           </a:p>
@@ -3186,26 +3452,7 @@
             <a:pPr lvl="1"/>
             <a:r>
               <a:rPr lang="en-US" dirty="0" smtClean="0"/>
-              <a:t>Sesame </a:t>
-            </a:r>
-            <a:r>
-              <a:rPr lang="en-US" dirty="0" smtClean="0"/>
-              <a:t>2.6.5 </a:t>
-            </a:r>
-            <a:r>
-              <a:rPr lang="en-US" dirty="0" smtClean="0"/>
-              <a:t>(Native Store)</a:t>
-            </a:r>
-          </a:p>
-          <a:p>
-            <a:pPr lvl="1"/>
-            <a:r>
-              <a:rPr lang="en-US" dirty="0" smtClean="0"/>
-              <a:t>Virtuoso 6.1.5 (Open Source Edition</a:t>
-            </a:r>
-            <a:r>
-              <a:rPr lang="en-US" dirty="0" smtClean="0"/>
-              <a:t>)</a:t>
+              <a:t>Virtuoso 6.1.5 (Open Source Edition)</a:t>
             </a:r>
           </a:p>
           <a:p>
@@ -3216,9 +3463,12 @@
             </a:r>
             <a:r>
               <a:rPr lang="en-US" dirty="0" smtClean="0"/>
-              <a:t> (In-Memory)</a:t>
-            </a:r>
-            <a:endParaRPr lang="en-US" dirty="0"/>
+              <a:t> (</a:t>
+            </a:r>
+            <a:r>
+              <a:rPr lang="en-US" dirty="0" smtClean="0"/>
+              <a:t>In-Memory Store)</a:t>
+            </a:r>
           </a:p>
         </p:txBody>
       </p:sp>
@@ -3297,7 +3547,7 @@
           <a:bodyPr/>
           <a:lstStyle/>
           <a:p>
-            <a:endParaRPr lang="en-US"/>
+            <a:endParaRPr lang="en-US" dirty="0"/>
           </a:p>
         </p:txBody>
       </p:sp>

--- a/Slides/SemTech West 2012 Conference Presentation.pptx
+++ b/Slides/SemTech West 2012 Conference Presentation.pptx
@@ -238,7 +238,7 @@
             <a:fld id="{D4A1D733-05F0-427A-BB00-1B0160BD5054}" type="datetimeFigureOut">
               <a:rPr lang="en-US" smtClean="0"/>
               <a:pPr/>
-              <a:t>4/27/2012</a:t>
+              <a:t>5/4/2012</a:t>
             </a:fld>
             <a:endParaRPr lang="en-US"/>
           </a:p>
@@ -405,7 +405,7 @@
             <a:fld id="{44016A93-A98D-354F-9CDC-CB7C878AEC78}" type="datetimeFigureOut">
               <a:rPr lang="en-US" smtClean="0"/>
               <a:pPr/>
-              <a:t>4/27/2012</a:t>
+              <a:t>5/4/2012</a:t>
             </a:fld>
             <a:endParaRPr lang="en-US"/>
           </a:p>
@@ -2192,25 +2192,35 @@
           </a:p>
         </p:txBody>
       </p:sp>
-      <p:sp>
-        <p:nvSpPr>
-          <p:cNvPr id="3" name="Content Placeholder 2"/>
-          <p:cNvSpPr>
-            <a:spLocks noGrp="1"/>
-          </p:cNvSpPr>
+      <p:pic>
+        <p:nvPicPr>
+          <p:cNvPr id="4" name="Content Placeholder 3"/>
+          <p:cNvPicPr>
+            <a:picLocks noGrp="1" noChangeAspect="1"/>
+          </p:cNvPicPr>
           <p:nvPr>
             <p:ph idx="1"/>
           </p:nvPr>
-        </p:nvSpPr>
-        <p:spPr/>
-        <p:txBody>
-          <a:bodyPr/>
-          <a:lstStyle/>
-          <a:p>
-            <a:endParaRPr lang="en-US"/>
-          </a:p>
-        </p:txBody>
-      </p:sp>
+        </p:nvPicPr>
+        <p:blipFill>
+          <a:blip r:embed="rId2">
+            <a:extLst>
+              <a:ext uri="{28A0092B-C50C-407E-A947-70E740481C1C}">
+                <a14:useLocalDpi xmlns:a14="http://schemas.microsoft.com/office/drawing/2010/main" val="0"/>
+              </a:ext>
+            </a:extLst>
+          </a:blip>
+          <a:stretch>
+            <a:fillRect/>
+          </a:stretch>
+        </p:blipFill>
+        <p:spPr>
+          <a:xfrm>
+            <a:off x="152400" y="914400"/>
+            <a:ext cx="8755410" cy="5121275"/>
+          </a:xfrm>
+        </p:spPr>
+      </p:pic>
     </p:spTree>
     <p:extLst>
       <p:ext uri="{BB962C8B-B14F-4D97-AF65-F5344CB8AC3E}">
@@ -2267,25 +2277,35 @@
           </a:p>
         </p:txBody>
       </p:sp>
-      <p:sp>
-        <p:nvSpPr>
-          <p:cNvPr id="3" name="Content Placeholder 2"/>
-          <p:cNvSpPr>
-            <a:spLocks noGrp="1"/>
-          </p:cNvSpPr>
+      <p:pic>
+        <p:nvPicPr>
+          <p:cNvPr id="4" name="Content Placeholder 3"/>
+          <p:cNvPicPr>
+            <a:picLocks noGrp="1" noChangeAspect="1"/>
+          </p:cNvPicPr>
           <p:nvPr>
             <p:ph idx="1"/>
           </p:nvPr>
-        </p:nvSpPr>
-        <p:spPr/>
-        <p:txBody>
-          <a:bodyPr/>
-          <a:lstStyle/>
-          <a:p>
-            <a:endParaRPr lang="en-US"/>
-          </a:p>
-        </p:txBody>
-      </p:sp>
+        </p:nvPicPr>
+        <p:blipFill>
+          <a:blip r:embed="rId2">
+            <a:extLst>
+              <a:ext uri="{28A0092B-C50C-407E-A947-70E740481C1C}">
+                <a14:useLocalDpi xmlns:a14="http://schemas.microsoft.com/office/drawing/2010/main" val="0"/>
+              </a:ext>
+            </a:extLst>
+          </a:blip>
+          <a:stretch>
+            <a:fillRect/>
+          </a:stretch>
+        </p:blipFill>
+        <p:spPr>
+          <a:xfrm>
+            <a:off x="182563" y="1179325"/>
+            <a:ext cx="8778875" cy="4896225"/>
+          </a:xfrm>
+        </p:spPr>
+      </p:pic>
     </p:spTree>
     <p:extLst>
       <p:ext uri="{BB962C8B-B14F-4D97-AF65-F5344CB8AC3E}">
@@ -2359,10 +2379,22 @@
           <a:p>
             <a:r>
               <a:rPr lang="en-US" dirty="0" smtClean="0"/>
-              <a:t>Currently undergoing Legal and IP Clearance</a:t>
-            </a:r>
-          </a:p>
-          <a:p>
+              <a:t>Code Release is Management Approved</a:t>
+            </a:r>
+          </a:p>
+          <a:p>
+            <a:pPr lvl="1"/>
+            <a:r>
+              <a:rPr lang="en-US" dirty="0" smtClean="0"/>
+              <a:t>Currently </a:t>
+            </a:r>
+            <a:r>
+              <a:rPr lang="en-US" dirty="0" smtClean="0"/>
+              <a:t>undergoing Legal and IP Clearance</a:t>
+            </a:r>
+          </a:p>
+          <a:p>
+            <a:pPr lvl="1"/>
             <a:r>
               <a:rPr lang="en-US" dirty="0" smtClean="0"/>
               <a:t>Should be open sourced shortly</a:t>
@@ -2378,11 +2410,18 @@
           <a:p>
             <a:r>
               <a:rPr lang="en-US" dirty="0" smtClean="0"/>
-              <a:t>Example Results </a:t>
-            </a:r>
-            <a:r>
-              <a:rPr lang="en-US" smtClean="0"/>
-              <a:t>data available from TBC</a:t>
+              <a:t>Example Results data available </a:t>
+            </a:r>
+            <a:r>
+              <a:rPr lang="en-US" dirty="0" smtClean="0"/>
+              <a:t>from:</a:t>
+            </a:r>
+          </a:p>
+          <a:p>
+            <a:pPr lvl="1"/>
+            <a:r>
+              <a:rPr lang="en-US" dirty="0" smtClean="0"/>
+              <a:t>TBC – Will be available on day of presentation</a:t>
             </a:r>
             <a:endParaRPr lang="en-US" dirty="0"/>
           </a:p>
@@ -2539,8 +2578,35 @@
           <a:p>
             <a:r>
               <a:rPr lang="en-US" dirty="0" smtClean="0"/>
-              <a:t>You need to justify option X over option Y</a:t>
-            </a:r>
+              <a:t>You need to justify option X over option </a:t>
+            </a:r>
+            <a:r>
+              <a:rPr lang="en-US" dirty="0" smtClean="0"/>
+              <a:t>Y</a:t>
+            </a:r>
+          </a:p>
+          <a:p>
+            <a:pPr lvl="1"/>
+            <a:r>
+              <a:rPr lang="en-US" dirty="0" smtClean="0"/>
+              <a:t>Business – Price </a:t>
+            </a:r>
+            <a:r>
+              <a:rPr lang="en-US" dirty="0" err="1" smtClean="0"/>
+              <a:t>vs</a:t>
+            </a:r>
+            <a:r>
+              <a:rPr lang="en-US" dirty="0" smtClean="0"/>
+              <a:t> Performance</a:t>
+            </a:r>
+          </a:p>
+          <a:p>
+            <a:pPr lvl="1"/>
+            <a:r>
+              <a:rPr lang="en-US" dirty="0" smtClean="0"/>
+              <a:t>Technical – Does it perform sufficiently?</a:t>
+            </a:r>
+            <a:endParaRPr lang="en-US" dirty="0" smtClean="0"/>
           </a:p>
           <a:p>
             <a:r>
@@ -3321,42 +3387,36 @@
         <p:spPr/>
         <p:txBody>
           <a:bodyPr>
-            <a:normAutofit lnSpcReduction="10000"/>
+            <a:normAutofit fontScale="92500" lnSpcReduction="10000"/>
           </a:bodyPr>
           <a:lstStyle/>
           <a:p>
             <a:r>
               <a:rPr lang="en-US" dirty="0" smtClean="0"/>
-              <a:t>SP2B at 10k, 50k and 250k run with 5 warm-ups and 25 </a:t>
-            </a:r>
-            <a:r>
-              <a:rPr lang="en-US" dirty="0" smtClean="0"/>
-              <a:t>runs </a:t>
-            </a:r>
-            <a:endParaRPr lang="en-US" dirty="0" smtClean="0"/>
-          </a:p>
-          <a:p>
-            <a:pPr lvl="1"/>
-            <a:r>
-              <a:rPr lang="en-US" dirty="0" smtClean="0"/>
-              <a:t>All </a:t>
-            </a:r>
-            <a:r>
-              <a:rPr lang="en-US" dirty="0" smtClean="0"/>
-              <a:t>options left as defaults i.e. full result </a:t>
-            </a:r>
-            <a:r>
-              <a:rPr lang="en-US" dirty="0" smtClean="0"/>
-              <a:t>counting</a:t>
-            </a:r>
-          </a:p>
-          <a:p>
-            <a:pPr lvl="1"/>
-            <a:r>
-              <a:rPr lang="en-US" dirty="0" smtClean="0"/>
-              <a:t>Runs for 250k skipped if store was incapable of performing the run in reasonable time</a:t>
-            </a:r>
-            <a:endParaRPr lang="en-US" dirty="0" smtClean="0"/>
+              <a:t>SP2B at 10k, 50k and 250k run with 5 warm-ups and 25 runs </a:t>
+            </a:r>
+          </a:p>
+          <a:p>
+            <a:pPr lvl="1"/>
+            <a:r>
+              <a:rPr lang="en-US" dirty="0" smtClean="0"/>
+              <a:t>All options left as defaults i.e. full result counting</a:t>
+            </a:r>
+          </a:p>
+          <a:p>
+            <a:pPr lvl="1"/>
+            <a:r>
+              <a:rPr lang="en-US" dirty="0" smtClean="0"/>
+              <a:t>Runs for </a:t>
+            </a:r>
+            <a:r>
+              <a:rPr lang="en-US" dirty="0" smtClean="0"/>
+              <a:t>50k and 250k </a:t>
+            </a:r>
+            <a:r>
+              <a:rPr lang="en-US" dirty="0" smtClean="0"/>
+              <a:t>skipped if store was incapable of performing the run in reasonable time</a:t>
+            </a:r>
           </a:p>
           <a:p>
             <a:r>
@@ -3410,23 +3470,7 @@
             <a:pPr lvl="1"/>
             <a:r>
               <a:rPr lang="en-US" dirty="0" smtClean="0"/>
-              <a:t>Sesame </a:t>
-            </a:r>
-            <a:r>
-              <a:rPr lang="en-US" dirty="0" smtClean="0"/>
-              <a:t>2.6.5 </a:t>
-            </a:r>
-            <a:r>
-              <a:rPr lang="en-US" dirty="0" smtClean="0"/>
-              <a:t>(Memory and Native </a:t>
-            </a:r>
-            <a:r>
-              <a:rPr lang="en-US" dirty="0" smtClean="0"/>
-              <a:t>Store</a:t>
-            </a:r>
-            <a:r>
-              <a:rPr lang="en-US" dirty="0" smtClean="0"/>
-              <a:t>)</a:t>
+              <a:t>Sesame 2.6.5 (Memory and Native Store)</a:t>
             </a:r>
           </a:p>
           <a:p>
@@ -3452,7 +3496,15 @@
             <a:pPr lvl="1"/>
             <a:r>
               <a:rPr lang="en-US" dirty="0" smtClean="0"/>
-              <a:t>Virtuoso 6.1.5 (Open Source Edition)</a:t>
+              <a:t>Virtuoso </a:t>
+            </a:r>
+            <a:r>
+              <a:rPr lang="en-US" dirty="0" smtClean="0"/>
+              <a:t>6.1.3 </a:t>
+            </a:r>
+            <a:r>
+              <a:rPr lang="en-US" dirty="0" smtClean="0"/>
+              <a:t>(Open Source Edition)</a:t>
             </a:r>
           </a:p>
           <a:p>
@@ -3463,12 +3515,20 @@
             </a:r>
             <a:r>
               <a:rPr lang="en-US" dirty="0" smtClean="0"/>
-              <a:t> (</a:t>
-            </a:r>
-            <a:r>
-              <a:rPr lang="en-US" dirty="0" smtClean="0"/>
-              <a:t>In-Memory Store)</a:t>
-            </a:r>
+              <a:t> (In-Memory Store</a:t>
+            </a:r>
+            <a:r>
+              <a:rPr lang="en-US" dirty="0" smtClean="0"/>
+              <a:t>)</a:t>
+            </a:r>
+          </a:p>
+          <a:p>
+            <a:pPr lvl="1"/>
+            <a:r>
+              <a:rPr lang="en-US" dirty="0" smtClean="0"/>
+              <a:t>NB – Final slides may cover more stores subject to time and vendor agreements</a:t>
+            </a:r>
+            <a:endParaRPr lang="en-US" dirty="0" smtClean="0"/>
           </a:p>
         </p:txBody>
       </p:sp>
@@ -3532,25 +3592,36 @@
           </a:p>
         </p:txBody>
       </p:sp>
-      <p:sp>
-        <p:nvSpPr>
-          <p:cNvPr id="3" name="Content Placeholder 2"/>
-          <p:cNvSpPr>
-            <a:spLocks noGrp="1"/>
-          </p:cNvSpPr>
-          <p:nvPr>
-            <p:ph idx="1"/>
-          </p:nvPr>
-        </p:nvSpPr>
-        <p:spPr/>
-        <p:txBody>
-          <a:bodyPr/>
-          <a:lstStyle/>
-          <a:p>
-            <a:endParaRPr lang="en-US" dirty="0"/>
-          </a:p>
-        </p:txBody>
-      </p:sp>
+      <p:pic>
+        <p:nvPicPr>
+          <p:cNvPr id="4" name="Picture 3"/>
+          <p:cNvPicPr>
+            <a:picLocks noChangeAspect="1"/>
+          </p:cNvPicPr>
+          <p:nvPr/>
+        </p:nvPicPr>
+        <p:blipFill>
+          <a:blip r:embed="rId2">
+            <a:extLst>
+              <a:ext uri="{28A0092B-C50C-407E-A947-70E740481C1C}">
+                <a14:useLocalDpi xmlns:a14="http://schemas.microsoft.com/office/drawing/2010/main" val="0"/>
+              </a:ext>
+            </a:extLst>
+          </a:blip>
+          <a:stretch>
+            <a:fillRect/>
+          </a:stretch>
+        </p:blipFill>
+        <p:spPr>
+          <a:xfrm>
+            <a:off x="0" y="947791"/>
+            <a:ext cx="9144000" cy="4962418"/>
+          </a:xfrm>
+          <a:prstGeom prst="rect">
+            <a:avLst/>
+          </a:prstGeom>
+        </p:spPr>
+      </p:pic>
     </p:spTree>
     <p:extLst>
       <p:ext uri="{BB962C8B-B14F-4D97-AF65-F5344CB8AC3E}">

--- a/Slides/SemTech West 2012 Conference Presentation.pptx
+++ b/Slides/SemTech West 2012 Conference Presentation.pptx
@@ -238,7 +238,7 @@
             <a:fld id="{D4A1D733-05F0-427A-BB00-1B0160BD5054}" type="datetimeFigureOut">
               <a:rPr lang="en-US" smtClean="0"/>
               <a:pPr/>
-              <a:t>5/4/2012</a:t>
+              <a:t>5/22/12</a:t>
             </a:fld>
             <a:endParaRPr lang="en-US"/>
           </a:p>
@@ -405,7 +405,7 @@
             <a:fld id="{44016A93-A98D-354F-9CDC-CB7C878AEC78}" type="datetimeFigureOut">
               <a:rPr lang="en-US" smtClean="0"/>
               <a:pPr/>
-              <a:t>5/4/2012</a:t>
+              <a:t>5/22/12</a:t>
             </a:fld>
             <a:endParaRPr lang="en-US"/>
           </a:p>
@@ -674,6 +674,1262 @@
 </p:notesMaster>
 </file>
 
+<file path=ppt/notesSlides/notesSlide1.xml><?xml version="1.0" encoding="utf-8"?>
+<p:notes xmlns:a="http://schemas.openxmlformats.org/drawingml/2006/main" xmlns:r="http://schemas.openxmlformats.org/officeDocument/2006/relationships" xmlns:p="http://schemas.openxmlformats.org/presentationml/2006/main">
+  <p:cSld>
+    <p:spTree>
+      <p:nvGrpSpPr>
+        <p:cNvPr id="1" name=""/>
+        <p:cNvGrpSpPr/>
+        <p:nvPr/>
+      </p:nvGrpSpPr>
+      <p:grpSpPr>
+        <a:xfrm>
+          <a:off x="0" y="0"/>
+          <a:ext cx="0" cy="0"/>
+          <a:chOff x="0" y="0"/>
+          <a:chExt cx="0" cy="0"/>
+        </a:xfrm>
+      </p:grpSpPr>
+      <p:sp>
+        <p:nvSpPr>
+          <p:cNvPr id="2" name="Slide Image Placeholder 1"/>
+          <p:cNvSpPr>
+            <a:spLocks noGrp="1" noRot="1" noChangeAspect="1"/>
+          </p:cNvSpPr>
+          <p:nvPr>
+            <p:ph type="sldImg"/>
+          </p:nvPr>
+        </p:nvSpPr>
+        <p:spPr/>
+      </p:sp>
+      <p:sp>
+        <p:nvSpPr>
+          <p:cNvPr id="3" name="Notes Placeholder 2"/>
+          <p:cNvSpPr>
+            <a:spLocks noGrp="1"/>
+          </p:cNvSpPr>
+          <p:nvPr>
+            <p:ph type="body" idx="1"/>
+          </p:nvPr>
+        </p:nvSpPr>
+        <p:spPr/>
+        <p:txBody>
+          <a:bodyPr/>
+          <a:lstStyle/>
+          <a:p>
+            <a:r>
+              <a:rPr lang="en-US" dirty="0" smtClean="0"/>
+              <a:t>Introduce Myself</a:t>
+            </a:r>
+            <a:endParaRPr lang="en-US" dirty="0"/>
+          </a:p>
+        </p:txBody>
+      </p:sp>
+      <p:sp>
+        <p:nvSpPr>
+          <p:cNvPr id="4" name="Slide Number Placeholder 3"/>
+          <p:cNvSpPr>
+            <a:spLocks noGrp="1"/>
+          </p:cNvSpPr>
+          <p:nvPr>
+            <p:ph type="sldNum" sz="quarter" idx="10"/>
+          </p:nvPr>
+        </p:nvSpPr>
+        <p:spPr/>
+        <p:txBody>
+          <a:bodyPr/>
+          <a:lstStyle/>
+          <a:p>
+            <a:fld id="{7E71426E-5493-D847-9A17-A412A16BE0E0}" type="slidenum">
+              <a:rPr lang="en-US" smtClean="0"/>
+              <a:pPr/>
+              <a:t>1</a:t>
+            </a:fld>
+            <a:endParaRPr lang="en-US"/>
+          </a:p>
+        </p:txBody>
+      </p:sp>
+    </p:spTree>
+    <p:extLst>
+      <p:ext uri="{BB962C8B-B14F-4D97-AF65-F5344CB8AC3E}">
+        <p14:creationId xmlns:p14="http://schemas.microsoft.com/office/powerpoint/2010/main" val="1884040491"/>
+      </p:ext>
+    </p:extLst>
+  </p:cSld>
+  <p:clrMapOvr>
+    <a:masterClrMapping/>
+  </p:clrMapOvr>
+</p:notes>
+</file>
+
+<file path=ppt/notesSlides/notesSlide10.xml><?xml version="1.0" encoding="utf-8"?>
+<p:notes xmlns:a="http://schemas.openxmlformats.org/drawingml/2006/main" xmlns:r="http://schemas.openxmlformats.org/officeDocument/2006/relationships" xmlns:p="http://schemas.openxmlformats.org/presentationml/2006/main">
+  <p:cSld>
+    <p:spTree>
+      <p:nvGrpSpPr>
+        <p:cNvPr id="1" name=""/>
+        <p:cNvGrpSpPr/>
+        <p:nvPr/>
+      </p:nvGrpSpPr>
+      <p:grpSpPr>
+        <a:xfrm>
+          <a:off x="0" y="0"/>
+          <a:ext cx="0" cy="0"/>
+          <a:chOff x="0" y="0"/>
+          <a:chExt cx="0" cy="0"/>
+        </a:xfrm>
+      </p:grpSpPr>
+      <p:sp>
+        <p:nvSpPr>
+          <p:cNvPr id="2" name="Slide Image Placeholder 1"/>
+          <p:cNvSpPr>
+            <a:spLocks noGrp="1" noRot="1" noChangeAspect="1"/>
+          </p:cNvSpPr>
+          <p:nvPr>
+            <p:ph type="sldImg"/>
+          </p:nvPr>
+        </p:nvSpPr>
+        <p:spPr/>
+      </p:sp>
+      <p:sp>
+        <p:nvSpPr>
+          <p:cNvPr id="3" name="Notes Placeholder 2"/>
+          <p:cNvSpPr>
+            <a:spLocks noGrp="1"/>
+          </p:cNvSpPr>
+          <p:nvPr>
+            <p:ph type="body" idx="1"/>
+          </p:nvPr>
+        </p:nvSpPr>
+        <p:spPr/>
+        <p:txBody>
+          <a:bodyPr/>
+          <a:lstStyle/>
+          <a:p>
+            <a:r>
+              <a:rPr lang="en-US" dirty="0" smtClean="0"/>
+              <a:t>Discuss the variation in average runtime – some stores are way ahead of others</a:t>
+            </a:r>
+          </a:p>
+          <a:p>
+            <a:endParaRPr lang="en-US" dirty="0"/>
+          </a:p>
+          <a:p>
+            <a:r>
+              <a:rPr lang="en-US" dirty="0" smtClean="0"/>
+              <a:t>Note that some store’s results are heavily influenced by poor performance on certain queries – see next slide</a:t>
+            </a:r>
+          </a:p>
+          <a:p>
+            <a:endParaRPr lang="en-US" dirty="0"/>
+          </a:p>
+          <a:p>
+            <a:r>
+              <a:rPr lang="en-US" dirty="0" smtClean="0"/>
+              <a:t>Logarithmic Scale</a:t>
+            </a:r>
+            <a:endParaRPr lang="en-US" dirty="0"/>
+          </a:p>
+        </p:txBody>
+      </p:sp>
+      <p:sp>
+        <p:nvSpPr>
+          <p:cNvPr id="4" name="Slide Number Placeholder 3"/>
+          <p:cNvSpPr>
+            <a:spLocks noGrp="1"/>
+          </p:cNvSpPr>
+          <p:nvPr>
+            <p:ph type="sldNum" sz="quarter" idx="10"/>
+          </p:nvPr>
+        </p:nvSpPr>
+        <p:spPr/>
+        <p:txBody>
+          <a:bodyPr/>
+          <a:lstStyle/>
+          <a:p>
+            <a:fld id="{7E71426E-5493-D847-9A17-A412A16BE0E0}" type="slidenum">
+              <a:rPr lang="en-US" smtClean="0"/>
+              <a:pPr/>
+              <a:t>10</a:t>
+            </a:fld>
+            <a:endParaRPr lang="en-US"/>
+          </a:p>
+        </p:txBody>
+      </p:sp>
+    </p:spTree>
+    <p:extLst>
+      <p:ext uri="{BB962C8B-B14F-4D97-AF65-F5344CB8AC3E}">
+        <p14:creationId xmlns:p14="http://schemas.microsoft.com/office/powerpoint/2010/main" val="2861956208"/>
+      </p:ext>
+    </p:extLst>
+  </p:cSld>
+  <p:clrMapOvr>
+    <a:masterClrMapping/>
+  </p:clrMapOvr>
+</p:notes>
+</file>
+
+<file path=ppt/notesSlides/notesSlide11.xml><?xml version="1.0" encoding="utf-8"?>
+<p:notes xmlns:a="http://schemas.openxmlformats.org/drawingml/2006/main" xmlns:r="http://schemas.openxmlformats.org/officeDocument/2006/relationships" xmlns:p="http://schemas.openxmlformats.org/presentationml/2006/main">
+  <p:cSld>
+    <p:spTree>
+      <p:nvGrpSpPr>
+        <p:cNvPr id="1" name=""/>
+        <p:cNvGrpSpPr/>
+        <p:nvPr/>
+      </p:nvGrpSpPr>
+      <p:grpSpPr>
+        <a:xfrm>
+          <a:off x="0" y="0"/>
+          <a:ext cx="0" cy="0"/>
+          <a:chOff x="0" y="0"/>
+          <a:chExt cx="0" cy="0"/>
+        </a:xfrm>
+      </p:grpSpPr>
+      <p:sp>
+        <p:nvSpPr>
+          <p:cNvPr id="2" name="Slide Image Placeholder 1"/>
+          <p:cNvSpPr>
+            <a:spLocks noGrp="1" noRot="1" noChangeAspect="1"/>
+          </p:cNvSpPr>
+          <p:nvPr>
+            <p:ph type="sldImg"/>
+          </p:nvPr>
+        </p:nvSpPr>
+        <p:spPr/>
+      </p:sp>
+      <p:sp>
+        <p:nvSpPr>
+          <p:cNvPr id="3" name="Notes Placeholder 2"/>
+          <p:cNvSpPr>
+            <a:spLocks noGrp="1"/>
+          </p:cNvSpPr>
+          <p:nvPr>
+            <p:ph type="body" idx="1"/>
+          </p:nvPr>
+        </p:nvSpPr>
+        <p:spPr/>
+        <p:txBody>
+          <a:bodyPr/>
+          <a:lstStyle/>
+          <a:p>
+            <a:r>
+              <a:rPr lang="en-US" dirty="0" smtClean="0"/>
+              <a:t>Highlight the variation in performance both between stores and queries.  Note how certain queries are just fundamentally hard even with clever </a:t>
+            </a:r>
+            <a:r>
+              <a:rPr lang="en-US" dirty="0" err="1" smtClean="0"/>
+              <a:t>optimisation</a:t>
+            </a:r>
+            <a:endParaRPr lang="en-US" dirty="0" smtClean="0"/>
+          </a:p>
+          <a:p>
+            <a:endParaRPr lang="en-US" dirty="0"/>
+          </a:p>
+          <a:p>
+            <a:r>
+              <a:rPr lang="en-US" dirty="0" smtClean="0"/>
+              <a:t>In-Memory trumps disk for relevant stores in most cases</a:t>
+            </a:r>
+            <a:endParaRPr lang="en-US" dirty="0"/>
+          </a:p>
+        </p:txBody>
+      </p:sp>
+      <p:sp>
+        <p:nvSpPr>
+          <p:cNvPr id="4" name="Slide Number Placeholder 3"/>
+          <p:cNvSpPr>
+            <a:spLocks noGrp="1"/>
+          </p:cNvSpPr>
+          <p:nvPr>
+            <p:ph type="sldNum" sz="quarter" idx="10"/>
+          </p:nvPr>
+        </p:nvSpPr>
+        <p:spPr/>
+        <p:txBody>
+          <a:bodyPr/>
+          <a:lstStyle/>
+          <a:p>
+            <a:fld id="{7E71426E-5493-D847-9A17-A412A16BE0E0}" type="slidenum">
+              <a:rPr lang="en-US" smtClean="0"/>
+              <a:pPr/>
+              <a:t>11</a:t>
+            </a:fld>
+            <a:endParaRPr lang="en-US"/>
+          </a:p>
+        </p:txBody>
+      </p:sp>
+    </p:spTree>
+    <p:extLst>
+      <p:ext uri="{BB962C8B-B14F-4D97-AF65-F5344CB8AC3E}">
+        <p14:creationId xmlns:p14="http://schemas.microsoft.com/office/powerpoint/2010/main" val="3748984915"/>
+      </p:ext>
+    </p:extLst>
+  </p:cSld>
+  <p:clrMapOvr>
+    <a:masterClrMapping/>
+  </p:clrMapOvr>
+</p:notes>
+</file>
+
+<file path=ppt/notesSlides/notesSlide12.xml><?xml version="1.0" encoding="utf-8"?>
+<p:notes xmlns:a="http://schemas.openxmlformats.org/drawingml/2006/main" xmlns:r="http://schemas.openxmlformats.org/officeDocument/2006/relationships" xmlns:p="http://schemas.openxmlformats.org/presentationml/2006/main">
+  <p:cSld>
+    <p:spTree>
+      <p:nvGrpSpPr>
+        <p:cNvPr id="1" name=""/>
+        <p:cNvGrpSpPr/>
+        <p:nvPr/>
+      </p:nvGrpSpPr>
+      <p:grpSpPr>
+        <a:xfrm>
+          <a:off x="0" y="0"/>
+          <a:ext cx="0" cy="0"/>
+          <a:chOff x="0" y="0"/>
+          <a:chExt cx="0" cy="0"/>
+        </a:xfrm>
+      </p:grpSpPr>
+      <p:sp>
+        <p:nvSpPr>
+          <p:cNvPr id="2" name="Slide Image Placeholder 1"/>
+          <p:cNvSpPr>
+            <a:spLocks noGrp="1" noRot="1" noChangeAspect="1"/>
+          </p:cNvSpPr>
+          <p:nvPr>
+            <p:ph type="sldImg"/>
+          </p:nvPr>
+        </p:nvSpPr>
+        <p:spPr/>
+      </p:sp>
+      <p:sp>
+        <p:nvSpPr>
+          <p:cNvPr id="3" name="Notes Placeholder 2"/>
+          <p:cNvSpPr>
+            <a:spLocks noGrp="1"/>
+          </p:cNvSpPr>
+          <p:nvPr>
+            <p:ph type="body" idx="1"/>
+          </p:nvPr>
+        </p:nvSpPr>
+        <p:spPr/>
+        <p:txBody>
+          <a:bodyPr/>
+          <a:lstStyle/>
+          <a:p>
+            <a:endParaRPr lang="en-US"/>
+          </a:p>
+        </p:txBody>
+      </p:sp>
+      <p:sp>
+        <p:nvSpPr>
+          <p:cNvPr id="4" name="Slide Number Placeholder 3"/>
+          <p:cNvSpPr>
+            <a:spLocks noGrp="1"/>
+          </p:cNvSpPr>
+          <p:nvPr>
+            <p:ph type="sldNum" sz="quarter" idx="10"/>
+          </p:nvPr>
+        </p:nvSpPr>
+        <p:spPr/>
+        <p:txBody>
+          <a:bodyPr/>
+          <a:lstStyle/>
+          <a:p>
+            <a:fld id="{7E71426E-5493-D847-9A17-A412A16BE0E0}" type="slidenum">
+              <a:rPr lang="en-US" smtClean="0"/>
+              <a:pPr/>
+              <a:t>12</a:t>
+            </a:fld>
+            <a:endParaRPr lang="en-US"/>
+          </a:p>
+        </p:txBody>
+      </p:sp>
+    </p:spTree>
+    <p:extLst>
+      <p:ext uri="{BB962C8B-B14F-4D97-AF65-F5344CB8AC3E}">
+        <p14:creationId xmlns:p14="http://schemas.microsoft.com/office/powerpoint/2010/main" val="201820451"/>
+      </p:ext>
+    </p:extLst>
+  </p:cSld>
+  <p:clrMapOvr>
+    <a:masterClrMapping/>
+  </p:clrMapOvr>
+</p:notes>
+</file>
+
+<file path=ppt/notesSlides/notesSlide2.xml><?xml version="1.0" encoding="utf-8"?>
+<p:notes xmlns:a="http://schemas.openxmlformats.org/drawingml/2006/main" xmlns:r="http://schemas.openxmlformats.org/officeDocument/2006/relationships" xmlns:p="http://schemas.openxmlformats.org/presentationml/2006/main">
+  <p:cSld>
+    <p:spTree>
+      <p:nvGrpSpPr>
+        <p:cNvPr id="1" name=""/>
+        <p:cNvGrpSpPr/>
+        <p:nvPr/>
+      </p:nvGrpSpPr>
+      <p:grpSpPr>
+        <a:xfrm>
+          <a:off x="0" y="0"/>
+          <a:ext cx="0" cy="0"/>
+          <a:chOff x="0" y="0"/>
+          <a:chExt cx="0" cy="0"/>
+        </a:xfrm>
+      </p:grpSpPr>
+      <p:sp>
+        <p:nvSpPr>
+          <p:cNvPr id="2" name="Slide Image Placeholder 1"/>
+          <p:cNvSpPr>
+            <a:spLocks noGrp="1" noRot="1" noChangeAspect="1"/>
+          </p:cNvSpPr>
+          <p:nvPr>
+            <p:ph type="sldImg"/>
+          </p:nvPr>
+        </p:nvSpPr>
+        <p:spPr/>
+      </p:sp>
+      <p:sp>
+        <p:nvSpPr>
+          <p:cNvPr id="3" name="Notes Placeholder 2"/>
+          <p:cNvSpPr>
+            <a:spLocks noGrp="1"/>
+          </p:cNvSpPr>
+          <p:nvPr>
+            <p:ph type="body" idx="1"/>
+          </p:nvPr>
+        </p:nvSpPr>
+        <p:spPr/>
+        <p:txBody>
+          <a:bodyPr/>
+          <a:lstStyle/>
+          <a:p>
+            <a:r>
+              <a:rPr lang="en-US" dirty="0" smtClean="0"/>
+              <a:t>What is says on the slide ;-)</a:t>
+            </a:r>
+            <a:endParaRPr lang="en-US" dirty="0"/>
+          </a:p>
+        </p:txBody>
+      </p:sp>
+      <p:sp>
+        <p:nvSpPr>
+          <p:cNvPr id="4" name="Slide Number Placeholder 3"/>
+          <p:cNvSpPr>
+            <a:spLocks noGrp="1"/>
+          </p:cNvSpPr>
+          <p:nvPr>
+            <p:ph type="sldNum" sz="quarter" idx="10"/>
+          </p:nvPr>
+        </p:nvSpPr>
+        <p:spPr/>
+        <p:txBody>
+          <a:bodyPr/>
+          <a:lstStyle/>
+          <a:p>
+            <a:fld id="{7E71426E-5493-D847-9A17-A412A16BE0E0}" type="slidenum">
+              <a:rPr lang="en-US" smtClean="0"/>
+              <a:pPr/>
+              <a:t>2</a:t>
+            </a:fld>
+            <a:endParaRPr lang="en-US"/>
+          </a:p>
+        </p:txBody>
+      </p:sp>
+    </p:spTree>
+    <p:extLst>
+      <p:ext uri="{BB962C8B-B14F-4D97-AF65-F5344CB8AC3E}">
+        <p14:creationId xmlns:p14="http://schemas.microsoft.com/office/powerpoint/2010/main" val="3818622058"/>
+      </p:ext>
+    </p:extLst>
+  </p:cSld>
+  <p:clrMapOvr>
+    <a:masterClrMapping/>
+  </p:clrMapOvr>
+</p:notes>
+</file>
+
+<file path=ppt/notesSlides/notesSlide3.xml><?xml version="1.0" encoding="utf-8"?>
+<p:notes xmlns:a="http://schemas.openxmlformats.org/drawingml/2006/main" xmlns:r="http://schemas.openxmlformats.org/officeDocument/2006/relationships" xmlns:p="http://schemas.openxmlformats.org/presentationml/2006/main">
+  <p:cSld>
+    <p:spTree>
+      <p:nvGrpSpPr>
+        <p:cNvPr id="1" name=""/>
+        <p:cNvGrpSpPr/>
+        <p:nvPr/>
+      </p:nvGrpSpPr>
+      <p:grpSpPr>
+        <a:xfrm>
+          <a:off x="0" y="0"/>
+          <a:ext cx="0" cy="0"/>
+          <a:chOff x="0" y="0"/>
+          <a:chExt cx="0" cy="0"/>
+        </a:xfrm>
+      </p:grpSpPr>
+      <p:sp>
+        <p:nvSpPr>
+          <p:cNvPr id="2" name="Slide Image Placeholder 1"/>
+          <p:cNvSpPr>
+            <a:spLocks noGrp="1" noRot="1" noChangeAspect="1"/>
+          </p:cNvSpPr>
+          <p:nvPr>
+            <p:ph type="sldImg"/>
+          </p:nvPr>
+        </p:nvSpPr>
+        <p:spPr/>
+      </p:sp>
+      <p:sp>
+        <p:nvSpPr>
+          <p:cNvPr id="3" name="Notes Placeholder 2"/>
+          <p:cNvSpPr>
+            <a:spLocks noGrp="1"/>
+          </p:cNvSpPr>
+          <p:nvPr>
+            <p:ph type="body" idx="1"/>
+          </p:nvPr>
+        </p:nvSpPr>
+        <p:spPr/>
+        <p:txBody>
+          <a:bodyPr/>
+          <a:lstStyle/>
+          <a:p>
+            <a:r>
+              <a:rPr lang="en-US" dirty="0" smtClean="0"/>
+              <a:t>Describe the benchmarks – shown on slides</a:t>
+            </a:r>
+          </a:p>
+          <a:p>
+            <a:r>
+              <a:rPr lang="en-US" dirty="0" smtClean="0"/>
+              <a:t>Discuss deficiencies of each benchmark</a:t>
+            </a:r>
+          </a:p>
+          <a:p>
+            <a:endParaRPr lang="en-US" dirty="0"/>
+          </a:p>
+          <a:p>
+            <a:r>
+              <a:rPr lang="en-US" dirty="0" smtClean="0"/>
+              <a:t>BSBM</a:t>
+            </a:r>
+          </a:p>
+          <a:p>
+            <a:pPr marL="171450" indent="-171450">
+              <a:buFont typeface="Arial"/>
+              <a:buChar char="•"/>
+            </a:pPr>
+            <a:r>
+              <a:rPr lang="en-US" dirty="0" smtClean="0"/>
+              <a:t>Relational – not really showing off the capabilities of a SPARQL engine</a:t>
+            </a:r>
+          </a:p>
+          <a:p>
+            <a:pPr marL="171450" indent="-171450">
+              <a:buFont typeface="Arial"/>
+              <a:buChar char="•"/>
+            </a:pPr>
+            <a:endParaRPr lang="en-US" dirty="0"/>
+          </a:p>
+          <a:p>
+            <a:r>
+              <a:rPr lang="en-US" dirty="0" smtClean="0"/>
+              <a:t>LUBM</a:t>
+            </a:r>
+          </a:p>
+          <a:p>
+            <a:pPr marL="171450" indent="-171450">
+              <a:buFont typeface="Arial"/>
+              <a:buChar char="•"/>
+            </a:pPr>
+            <a:r>
+              <a:rPr lang="en-US" dirty="0" smtClean="0"/>
+              <a:t>Need for reasoning – implementation thereof can make a huge difference in performance</a:t>
+            </a:r>
+          </a:p>
+          <a:p>
+            <a:pPr marL="171450" indent="-171450">
+              <a:buFont typeface="Arial"/>
+              <a:buChar char="•"/>
+            </a:pPr>
+            <a:r>
+              <a:rPr lang="en-US" dirty="0" smtClean="0"/>
+              <a:t>Forward </a:t>
+            </a:r>
+            <a:r>
+              <a:rPr lang="en-US" dirty="0" err="1" smtClean="0"/>
+              <a:t>vs</a:t>
+            </a:r>
+            <a:r>
+              <a:rPr lang="en-US" dirty="0" smtClean="0"/>
+              <a:t> Backward Chaining Reasoning</a:t>
+            </a:r>
+          </a:p>
+          <a:p>
+            <a:pPr marL="171450" indent="-171450">
+              <a:buFont typeface="Arial"/>
+              <a:buChar char="•"/>
+            </a:pPr>
+            <a:endParaRPr lang="en-US" dirty="0"/>
+          </a:p>
+          <a:p>
+            <a:r>
+              <a:rPr lang="en-US" dirty="0" smtClean="0"/>
+              <a:t>SP2B</a:t>
+            </a:r>
+          </a:p>
+          <a:p>
+            <a:pPr marL="171450" indent="-171450">
+              <a:buFont typeface="Arial"/>
+              <a:buChar char="•"/>
+            </a:pPr>
+            <a:r>
+              <a:rPr lang="en-US" dirty="0" smtClean="0"/>
+              <a:t>Queries are unrealistic</a:t>
+            </a:r>
+          </a:p>
+          <a:p>
+            <a:pPr marL="171450" indent="-171450">
+              <a:buFont typeface="Arial"/>
+              <a:buChar char="•"/>
+            </a:pPr>
+            <a:r>
+              <a:rPr lang="en-US" dirty="0" smtClean="0"/>
+              <a:t>Focuses on optimization</a:t>
+            </a:r>
+            <a:endParaRPr lang="en-US" dirty="0"/>
+          </a:p>
+        </p:txBody>
+      </p:sp>
+      <p:sp>
+        <p:nvSpPr>
+          <p:cNvPr id="4" name="Slide Number Placeholder 3"/>
+          <p:cNvSpPr>
+            <a:spLocks noGrp="1"/>
+          </p:cNvSpPr>
+          <p:nvPr>
+            <p:ph type="sldNum" sz="quarter" idx="10"/>
+          </p:nvPr>
+        </p:nvSpPr>
+        <p:spPr/>
+        <p:txBody>
+          <a:bodyPr/>
+          <a:lstStyle/>
+          <a:p>
+            <a:fld id="{7E71426E-5493-D847-9A17-A412A16BE0E0}" type="slidenum">
+              <a:rPr lang="en-US" smtClean="0"/>
+              <a:pPr/>
+              <a:t>3</a:t>
+            </a:fld>
+            <a:endParaRPr lang="en-US"/>
+          </a:p>
+        </p:txBody>
+      </p:sp>
+    </p:spTree>
+    <p:extLst>
+      <p:ext uri="{BB962C8B-B14F-4D97-AF65-F5344CB8AC3E}">
+        <p14:creationId xmlns:p14="http://schemas.microsoft.com/office/powerpoint/2010/main" val="444691919"/>
+      </p:ext>
+    </p:extLst>
+  </p:cSld>
+  <p:clrMapOvr>
+    <a:masterClrMapping/>
+  </p:clrMapOvr>
+</p:notes>
+</file>
+
+<file path=ppt/notesSlides/notesSlide4.xml><?xml version="1.0" encoding="utf-8"?>
+<p:notes xmlns:a="http://schemas.openxmlformats.org/drawingml/2006/main" xmlns:r="http://schemas.openxmlformats.org/officeDocument/2006/relationships" xmlns:p="http://schemas.openxmlformats.org/presentationml/2006/main">
+  <p:cSld>
+    <p:spTree>
+      <p:nvGrpSpPr>
+        <p:cNvPr id="1" name=""/>
+        <p:cNvGrpSpPr/>
+        <p:nvPr/>
+      </p:nvGrpSpPr>
+      <p:grpSpPr>
+        <a:xfrm>
+          <a:off x="0" y="0"/>
+          <a:ext cx="0" cy="0"/>
+          <a:chOff x="0" y="0"/>
+          <a:chExt cx="0" cy="0"/>
+        </a:xfrm>
+      </p:grpSpPr>
+      <p:sp>
+        <p:nvSpPr>
+          <p:cNvPr id="2" name="Slide Image Placeholder 1"/>
+          <p:cNvSpPr>
+            <a:spLocks noGrp="1" noRot="1" noChangeAspect="1"/>
+          </p:cNvSpPr>
+          <p:nvPr>
+            <p:ph type="sldImg"/>
+          </p:nvPr>
+        </p:nvSpPr>
+        <p:spPr/>
+      </p:sp>
+      <p:sp>
+        <p:nvSpPr>
+          <p:cNvPr id="3" name="Notes Placeholder 2"/>
+          <p:cNvSpPr>
+            <a:spLocks noGrp="1"/>
+          </p:cNvSpPr>
+          <p:nvPr>
+            <p:ph type="body" idx="1"/>
+          </p:nvPr>
+        </p:nvSpPr>
+        <p:spPr/>
+        <p:txBody>
+          <a:bodyPr/>
+          <a:lstStyle/>
+          <a:p>
+            <a:r>
+              <a:rPr lang="en-US" dirty="0" smtClean="0"/>
+              <a:t>Self explanatory slide for the most part</a:t>
+            </a:r>
+          </a:p>
+          <a:p>
+            <a:endParaRPr lang="en-US" dirty="0"/>
+          </a:p>
+          <a:p>
+            <a:r>
+              <a:rPr lang="en-US" dirty="0" smtClean="0"/>
+              <a:t>Highlight that just because the store you are interested in is good/bad at a particular benchmark doesn’t tell you whether the store is good/bad for your use case</a:t>
+            </a:r>
+            <a:endParaRPr lang="en-US" dirty="0"/>
+          </a:p>
+        </p:txBody>
+      </p:sp>
+      <p:sp>
+        <p:nvSpPr>
+          <p:cNvPr id="4" name="Slide Number Placeholder 3"/>
+          <p:cNvSpPr>
+            <a:spLocks noGrp="1"/>
+          </p:cNvSpPr>
+          <p:nvPr>
+            <p:ph type="sldNum" sz="quarter" idx="10"/>
+          </p:nvPr>
+        </p:nvSpPr>
+        <p:spPr/>
+        <p:txBody>
+          <a:bodyPr/>
+          <a:lstStyle/>
+          <a:p>
+            <a:fld id="{7E71426E-5493-D847-9A17-A412A16BE0E0}" type="slidenum">
+              <a:rPr lang="en-US" smtClean="0"/>
+              <a:pPr/>
+              <a:t>4</a:t>
+            </a:fld>
+            <a:endParaRPr lang="en-US"/>
+          </a:p>
+        </p:txBody>
+      </p:sp>
+    </p:spTree>
+    <p:extLst>
+      <p:ext uri="{BB962C8B-B14F-4D97-AF65-F5344CB8AC3E}">
+        <p14:creationId xmlns:p14="http://schemas.microsoft.com/office/powerpoint/2010/main" val="3079028076"/>
+      </p:ext>
+    </p:extLst>
+  </p:cSld>
+  <p:clrMapOvr>
+    <a:masterClrMapping/>
+  </p:clrMapOvr>
+</p:notes>
+</file>
+
+<file path=ppt/notesSlides/notesSlide5.xml><?xml version="1.0" encoding="utf-8"?>
+<p:notes xmlns:a="http://schemas.openxmlformats.org/drawingml/2006/main" xmlns:r="http://schemas.openxmlformats.org/officeDocument/2006/relationships" xmlns:p="http://schemas.openxmlformats.org/presentationml/2006/main">
+  <p:cSld>
+    <p:spTree>
+      <p:nvGrpSpPr>
+        <p:cNvPr id="1" name=""/>
+        <p:cNvGrpSpPr/>
+        <p:nvPr/>
+      </p:nvGrpSpPr>
+      <p:grpSpPr>
+        <a:xfrm>
+          <a:off x="0" y="0"/>
+          <a:ext cx="0" cy="0"/>
+          <a:chOff x="0" y="0"/>
+          <a:chExt cx="0" cy="0"/>
+        </a:xfrm>
+      </p:grpSpPr>
+      <p:sp>
+        <p:nvSpPr>
+          <p:cNvPr id="2" name="Slide Image Placeholder 1"/>
+          <p:cNvSpPr>
+            <a:spLocks noGrp="1" noRot="1" noChangeAspect="1"/>
+          </p:cNvSpPr>
+          <p:nvPr>
+            <p:ph type="sldImg"/>
+          </p:nvPr>
+        </p:nvSpPr>
+        <p:spPr/>
+      </p:sp>
+      <p:sp>
+        <p:nvSpPr>
+          <p:cNvPr id="3" name="Notes Placeholder 2"/>
+          <p:cNvSpPr>
+            <a:spLocks noGrp="1"/>
+          </p:cNvSpPr>
+          <p:nvPr>
+            <p:ph type="body" idx="1"/>
+          </p:nvPr>
+        </p:nvSpPr>
+        <p:spPr/>
+        <p:txBody>
+          <a:bodyPr/>
+          <a:lstStyle/>
+          <a:p>
+            <a:r>
+              <a:rPr lang="en-US" dirty="0" smtClean="0"/>
+              <a:t>Describe the methodology in detail</a:t>
+            </a:r>
+            <a:endParaRPr lang="en-US" dirty="0"/>
+          </a:p>
+        </p:txBody>
+      </p:sp>
+      <p:sp>
+        <p:nvSpPr>
+          <p:cNvPr id="4" name="Slide Number Placeholder 3"/>
+          <p:cNvSpPr>
+            <a:spLocks noGrp="1"/>
+          </p:cNvSpPr>
+          <p:nvPr>
+            <p:ph type="sldNum" sz="quarter" idx="10"/>
+          </p:nvPr>
+        </p:nvSpPr>
+        <p:spPr/>
+        <p:txBody>
+          <a:bodyPr/>
+          <a:lstStyle/>
+          <a:p>
+            <a:fld id="{7E71426E-5493-D847-9A17-A412A16BE0E0}" type="slidenum">
+              <a:rPr lang="en-US" smtClean="0"/>
+              <a:pPr/>
+              <a:t>5</a:t>
+            </a:fld>
+            <a:endParaRPr lang="en-US"/>
+          </a:p>
+        </p:txBody>
+      </p:sp>
+    </p:spTree>
+    <p:extLst>
+      <p:ext uri="{BB962C8B-B14F-4D97-AF65-F5344CB8AC3E}">
+        <p14:creationId xmlns:p14="http://schemas.microsoft.com/office/powerpoint/2010/main" val="3235124290"/>
+      </p:ext>
+    </p:extLst>
+  </p:cSld>
+  <p:clrMapOvr>
+    <a:masterClrMapping/>
+  </p:clrMapOvr>
+</p:notes>
+</file>
+
+<file path=ppt/notesSlides/notesSlide6.xml><?xml version="1.0" encoding="utf-8"?>
+<p:notes xmlns:a="http://schemas.openxmlformats.org/drawingml/2006/main" xmlns:r="http://schemas.openxmlformats.org/officeDocument/2006/relationships" xmlns:p="http://schemas.openxmlformats.org/presentationml/2006/main">
+  <p:cSld>
+    <p:spTree>
+      <p:nvGrpSpPr>
+        <p:cNvPr id="1" name=""/>
+        <p:cNvGrpSpPr/>
+        <p:nvPr/>
+      </p:nvGrpSpPr>
+      <p:grpSpPr>
+        <a:xfrm>
+          <a:off x="0" y="0"/>
+          <a:ext cx="0" cy="0"/>
+          <a:chOff x="0" y="0"/>
+          <a:chExt cx="0" cy="0"/>
+        </a:xfrm>
+      </p:grpSpPr>
+      <p:sp>
+        <p:nvSpPr>
+          <p:cNvPr id="2" name="Slide Image Placeholder 1"/>
+          <p:cNvSpPr>
+            <a:spLocks noGrp="1" noRot="1" noChangeAspect="1"/>
+          </p:cNvSpPr>
+          <p:nvPr>
+            <p:ph type="sldImg"/>
+          </p:nvPr>
+        </p:nvSpPr>
+        <p:spPr/>
+      </p:sp>
+      <p:sp>
+        <p:nvSpPr>
+          <p:cNvPr id="3" name="Notes Placeholder 2"/>
+          <p:cNvSpPr>
+            <a:spLocks noGrp="1"/>
+          </p:cNvSpPr>
+          <p:nvPr>
+            <p:ph type="body" idx="1"/>
+          </p:nvPr>
+        </p:nvSpPr>
+        <p:spPr/>
+        <p:txBody>
+          <a:bodyPr/>
+          <a:lstStyle/>
+          <a:p>
+            <a:r>
+              <a:rPr lang="en-US" dirty="0" smtClean="0"/>
+              <a:t>Key Point is to cover difference between Response Time and Runtime</a:t>
+            </a:r>
+            <a:endParaRPr lang="en-US" dirty="0"/>
+          </a:p>
+        </p:txBody>
+      </p:sp>
+      <p:sp>
+        <p:nvSpPr>
+          <p:cNvPr id="4" name="Slide Number Placeholder 3"/>
+          <p:cNvSpPr>
+            <a:spLocks noGrp="1"/>
+          </p:cNvSpPr>
+          <p:nvPr>
+            <p:ph type="sldNum" sz="quarter" idx="10"/>
+          </p:nvPr>
+        </p:nvSpPr>
+        <p:spPr/>
+        <p:txBody>
+          <a:bodyPr/>
+          <a:lstStyle/>
+          <a:p>
+            <a:fld id="{7E71426E-5493-D847-9A17-A412A16BE0E0}" type="slidenum">
+              <a:rPr lang="en-US" smtClean="0"/>
+              <a:pPr/>
+              <a:t>6</a:t>
+            </a:fld>
+            <a:endParaRPr lang="en-US"/>
+          </a:p>
+        </p:txBody>
+      </p:sp>
+    </p:spTree>
+    <p:extLst>
+      <p:ext uri="{BB962C8B-B14F-4D97-AF65-F5344CB8AC3E}">
+        <p14:creationId xmlns:p14="http://schemas.microsoft.com/office/powerpoint/2010/main" val="2795077369"/>
+      </p:ext>
+    </p:extLst>
+  </p:cSld>
+  <p:clrMapOvr>
+    <a:masterClrMapping/>
+  </p:clrMapOvr>
+</p:notes>
+</file>
+
+<file path=ppt/notesSlides/notesSlide7.xml><?xml version="1.0" encoding="utf-8"?>
+<p:notes xmlns:a="http://schemas.openxmlformats.org/drawingml/2006/main" xmlns:r="http://schemas.openxmlformats.org/officeDocument/2006/relationships" xmlns:p="http://schemas.openxmlformats.org/presentationml/2006/main">
+  <p:cSld>
+    <p:spTree>
+      <p:nvGrpSpPr>
+        <p:cNvPr id="1" name=""/>
+        <p:cNvGrpSpPr/>
+        <p:nvPr/>
+      </p:nvGrpSpPr>
+      <p:grpSpPr>
+        <a:xfrm>
+          <a:off x="0" y="0"/>
+          <a:ext cx="0" cy="0"/>
+          <a:chOff x="0" y="0"/>
+          <a:chExt cx="0" cy="0"/>
+        </a:xfrm>
+      </p:grpSpPr>
+      <p:sp>
+        <p:nvSpPr>
+          <p:cNvPr id="2" name="Slide Image Placeholder 1"/>
+          <p:cNvSpPr>
+            <a:spLocks noGrp="1" noRot="1" noChangeAspect="1"/>
+          </p:cNvSpPr>
+          <p:nvPr>
+            <p:ph type="sldImg"/>
+          </p:nvPr>
+        </p:nvSpPr>
+        <p:spPr/>
+      </p:sp>
+      <p:sp>
+        <p:nvSpPr>
+          <p:cNvPr id="3" name="Notes Placeholder 2"/>
+          <p:cNvSpPr>
+            <a:spLocks noGrp="1"/>
+          </p:cNvSpPr>
+          <p:nvPr>
+            <p:ph type="body" idx="1"/>
+          </p:nvPr>
+        </p:nvSpPr>
+        <p:spPr/>
+        <p:txBody>
+          <a:bodyPr/>
+          <a:lstStyle/>
+          <a:p>
+            <a:r>
+              <a:rPr lang="en-US" dirty="0" smtClean="0"/>
+              <a:t>Run through a brief demo of the command line tool – make sure to have a running </a:t>
+            </a:r>
+            <a:r>
+              <a:rPr lang="en-US" dirty="0" err="1" smtClean="0"/>
+              <a:t>Stardog</a:t>
+            </a:r>
+            <a:r>
+              <a:rPr lang="en-US" dirty="0" smtClean="0"/>
+              <a:t>/</a:t>
+            </a:r>
+            <a:r>
+              <a:rPr lang="en-US" dirty="0" err="1" smtClean="0"/>
+              <a:t>Fuseki</a:t>
+            </a:r>
+            <a:r>
+              <a:rPr lang="en-US" dirty="0" smtClean="0"/>
+              <a:t> instance to run against</a:t>
+            </a:r>
+          </a:p>
+          <a:p>
+            <a:endParaRPr lang="en-US" dirty="0"/>
+          </a:p>
+          <a:p>
+            <a:r>
+              <a:rPr lang="en-US" dirty="0" smtClean="0"/>
+              <a:t>Run on SP2B 10k</a:t>
+            </a:r>
+          </a:p>
+          <a:p>
+            <a:endParaRPr lang="en-US" dirty="0"/>
+          </a:p>
+          <a:p>
+            <a:r>
+              <a:rPr lang="en-US" dirty="0" smtClean="0"/>
+              <a:t>Show the output data (CSV and XML)</a:t>
+            </a:r>
+            <a:endParaRPr lang="en-US" dirty="0"/>
+          </a:p>
+        </p:txBody>
+      </p:sp>
+      <p:sp>
+        <p:nvSpPr>
+          <p:cNvPr id="4" name="Slide Number Placeholder 3"/>
+          <p:cNvSpPr>
+            <a:spLocks noGrp="1"/>
+          </p:cNvSpPr>
+          <p:nvPr>
+            <p:ph type="sldNum" sz="quarter" idx="10"/>
+          </p:nvPr>
+        </p:nvSpPr>
+        <p:spPr/>
+        <p:txBody>
+          <a:bodyPr/>
+          <a:lstStyle/>
+          <a:p>
+            <a:fld id="{7E71426E-5493-D847-9A17-A412A16BE0E0}" type="slidenum">
+              <a:rPr lang="en-US" smtClean="0"/>
+              <a:pPr/>
+              <a:t>7</a:t>
+            </a:fld>
+            <a:endParaRPr lang="en-US"/>
+          </a:p>
+        </p:txBody>
+      </p:sp>
+    </p:spTree>
+    <p:extLst>
+      <p:ext uri="{BB962C8B-B14F-4D97-AF65-F5344CB8AC3E}">
+        <p14:creationId xmlns:p14="http://schemas.microsoft.com/office/powerpoint/2010/main" val="3365774635"/>
+      </p:ext>
+    </p:extLst>
+  </p:cSld>
+  <p:clrMapOvr>
+    <a:masterClrMapping/>
+  </p:clrMapOvr>
+</p:notes>
+</file>
+
+<file path=ppt/notesSlides/notesSlide8.xml><?xml version="1.0" encoding="utf-8"?>
+<p:notes xmlns:a="http://schemas.openxmlformats.org/drawingml/2006/main" xmlns:r="http://schemas.openxmlformats.org/officeDocument/2006/relationships" xmlns:p="http://schemas.openxmlformats.org/presentationml/2006/main">
+  <p:cSld>
+    <p:spTree>
+      <p:nvGrpSpPr>
+        <p:cNvPr id="1" name=""/>
+        <p:cNvGrpSpPr/>
+        <p:nvPr/>
+      </p:nvGrpSpPr>
+      <p:grpSpPr>
+        <a:xfrm>
+          <a:off x="0" y="0"/>
+          <a:ext cx="0" cy="0"/>
+          <a:chOff x="0" y="0"/>
+          <a:chExt cx="0" cy="0"/>
+        </a:xfrm>
+      </p:grpSpPr>
+      <p:sp>
+        <p:nvSpPr>
+          <p:cNvPr id="2" name="Slide Image Placeholder 1"/>
+          <p:cNvSpPr>
+            <a:spLocks noGrp="1" noRot="1" noChangeAspect="1"/>
+          </p:cNvSpPr>
+          <p:nvPr>
+            <p:ph type="sldImg"/>
+          </p:nvPr>
+        </p:nvSpPr>
+        <p:spPr/>
+      </p:sp>
+      <p:sp>
+        <p:nvSpPr>
+          <p:cNvPr id="3" name="Notes Placeholder 2"/>
+          <p:cNvSpPr>
+            <a:spLocks noGrp="1"/>
+          </p:cNvSpPr>
+          <p:nvPr>
+            <p:ph type="body" idx="1"/>
+          </p:nvPr>
+        </p:nvSpPr>
+        <p:spPr/>
+        <p:txBody>
+          <a:bodyPr/>
+          <a:lstStyle/>
+          <a:p>
+            <a:r>
+              <a:rPr lang="en-US" dirty="0" smtClean="0"/>
+              <a:t>Discuss the setup for the example results – why the stores were chosen</a:t>
+            </a:r>
+          </a:p>
+          <a:p>
+            <a:endParaRPr lang="en-US" dirty="0"/>
+          </a:p>
+          <a:p>
+            <a:r>
+              <a:rPr lang="en-US" dirty="0" smtClean="0"/>
+              <a:t>Ensure to highlight YMMV</a:t>
+            </a:r>
+            <a:endParaRPr lang="en-US" dirty="0"/>
+          </a:p>
+        </p:txBody>
+      </p:sp>
+      <p:sp>
+        <p:nvSpPr>
+          <p:cNvPr id="4" name="Slide Number Placeholder 3"/>
+          <p:cNvSpPr>
+            <a:spLocks noGrp="1"/>
+          </p:cNvSpPr>
+          <p:nvPr>
+            <p:ph type="sldNum" sz="quarter" idx="10"/>
+          </p:nvPr>
+        </p:nvSpPr>
+        <p:spPr/>
+        <p:txBody>
+          <a:bodyPr/>
+          <a:lstStyle/>
+          <a:p>
+            <a:fld id="{7E71426E-5493-D847-9A17-A412A16BE0E0}" type="slidenum">
+              <a:rPr lang="en-US" smtClean="0"/>
+              <a:pPr/>
+              <a:t>8</a:t>
+            </a:fld>
+            <a:endParaRPr lang="en-US"/>
+          </a:p>
+        </p:txBody>
+      </p:sp>
+    </p:spTree>
+    <p:extLst>
+      <p:ext uri="{BB962C8B-B14F-4D97-AF65-F5344CB8AC3E}">
+        <p14:creationId xmlns:p14="http://schemas.microsoft.com/office/powerpoint/2010/main" val="1481298857"/>
+      </p:ext>
+    </p:extLst>
+  </p:cSld>
+  <p:clrMapOvr>
+    <a:masterClrMapping/>
+  </p:clrMapOvr>
+</p:notes>
+</file>
+
+<file path=ppt/notesSlides/notesSlide9.xml><?xml version="1.0" encoding="utf-8"?>
+<p:notes xmlns:a="http://schemas.openxmlformats.org/drawingml/2006/main" xmlns:r="http://schemas.openxmlformats.org/officeDocument/2006/relationships" xmlns:p="http://schemas.openxmlformats.org/presentationml/2006/main">
+  <p:cSld>
+    <p:spTree>
+      <p:nvGrpSpPr>
+        <p:cNvPr id="1" name=""/>
+        <p:cNvGrpSpPr/>
+        <p:nvPr/>
+      </p:nvGrpSpPr>
+      <p:grpSpPr>
+        <a:xfrm>
+          <a:off x="0" y="0"/>
+          <a:ext cx="0" cy="0"/>
+          <a:chOff x="0" y="0"/>
+          <a:chExt cx="0" cy="0"/>
+        </a:xfrm>
+      </p:grpSpPr>
+      <p:sp>
+        <p:nvSpPr>
+          <p:cNvPr id="2" name="Slide Image Placeholder 1"/>
+          <p:cNvSpPr>
+            <a:spLocks noGrp="1" noRot="1" noChangeAspect="1"/>
+          </p:cNvSpPr>
+          <p:nvPr>
+            <p:ph type="sldImg"/>
+          </p:nvPr>
+        </p:nvSpPr>
+        <p:spPr/>
+      </p:sp>
+      <p:sp>
+        <p:nvSpPr>
+          <p:cNvPr id="3" name="Notes Placeholder 2"/>
+          <p:cNvSpPr>
+            <a:spLocks noGrp="1"/>
+          </p:cNvSpPr>
+          <p:nvPr>
+            <p:ph type="body" idx="1"/>
+          </p:nvPr>
+        </p:nvSpPr>
+        <p:spPr/>
+        <p:txBody>
+          <a:bodyPr/>
+          <a:lstStyle/>
+          <a:p>
+            <a:r>
+              <a:rPr lang="en-US" dirty="0" smtClean="0"/>
+              <a:t>Note how as dataset size increases many stores can’t complete within reasonable time on the machines we used</a:t>
+            </a:r>
+          </a:p>
+          <a:p>
+            <a:endParaRPr lang="en-US" dirty="0"/>
+          </a:p>
+          <a:p>
+            <a:r>
+              <a:rPr lang="en-US" dirty="0" smtClean="0"/>
+              <a:t>Logarithmic Scale</a:t>
+            </a:r>
+            <a:endParaRPr lang="en-US" dirty="0"/>
+          </a:p>
+        </p:txBody>
+      </p:sp>
+      <p:sp>
+        <p:nvSpPr>
+          <p:cNvPr id="4" name="Slide Number Placeholder 3"/>
+          <p:cNvSpPr>
+            <a:spLocks noGrp="1"/>
+          </p:cNvSpPr>
+          <p:nvPr>
+            <p:ph type="sldNum" sz="quarter" idx="10"/>
+          </p:nvPr>
+        </p:nvSpPr>
+        <p:spPr/>
+        <p:txBody>
+          <a:bodyPr/>
+          <a:lstStyle/>
+          <a:p>
+            <a:fld id="{7E71426E-5493-D847-9A17-A412A16BE0E0}" type="slidenum">
+              <a:rPr lang="en-US" smtClean="0"/>
+              <a:pPr/>
+              <a:t>9</a:t>
+            </a:fld>
+            <a:endParaRPr lang="en-US"/>
+          </a:p>
+        </p:txBody>
+      </p:sp>
+    </p:spTree>
+    <p:extLst>
+      <p:ext uri="{BB962C8B-B14F-4D97-AF65-F5344CB8AC3E}">
+        <p14:creationId xmlns:p14="http://schemas.microsoft.com/office/powerpoint/2010/main" val="432161164"/>
+      </p:ext>
+    </p:extLst>
+  </p:cSld>
+  <p:clrMapOvr>
+    <a:masterClrMapping/>
+  </p:clrMapOvr>
+</p:notes>
+</file>
+
 <file path=ppt/slideLayouts/slideLayout1.xml><?xml version="1.0" encoding="utf-8"?>
 <p:sldLayout xmlns:a="http://schemas.openxmlformats.org/drawingml/2006/main" xmlns:r="http://schemas.openxmlformats.org/officeDocument/2006/relationships" xmlns:p="http://schemas.openxmlformats.org/presentationml/2006/main" preserve="1">
   <p:cSld name="title slide">
@@ -730,7 +1986,7 @@
   <p:clrMapOvr>
     <a:masterClrMapping/>
   </p:clrMapOvr>
-  <p:transition>
+  <p:transition xmlns:p14="http://schemas.microsoft.com/office/powerpoint/2010/main">
     <p:fade/>
   </p:transition>
   <p:hf hdr="0" dt="0"/>
@@ -873,7 +2129,7 @@
   <p:clrMapOvr>
     <a:masterClrMapping/>
   </p:clrMapOvr>
-  <p:transition>
+  <p:transition xmlns:p14="http://schemas.microsoft.com/office/powerpoint/2010/main">
     <p:fade/>
   </p:transition>
 </p:sldLayout>
@@ -929,13 +2185,13 @@
   <p:clrMapOvr>
     <a:masterClrMapping/>
   </p:clrMapOvr>
-  <p:transition>
+  <p:transition xmlns:p14="http://schemas.microsoft.com/office/powerpoint/2010/main">
     <p:fade/>
   </p:transition>
   <p:timing>
     <p:tnLst>
       <p:par>
-        <p:cTn id="1" dur="indefinite" restart="never" nodeType="tmRoot"/>
+        <p:cTn xmlns:p14="http://schemas.microsoft.com/office/powerpoint/2010/main" id="1" dur="indefinite" restart="never" nodeType="tmRoot"/>
       </p:par>
     </p:tnLst>
   </p:timing>
@@ -964,7 +2220,7 @@
   <p:clrMapOvr>
     <a:masterClrMapping/>
   </p:clrMapOvr>
-  <p:transition>
+  <p:transition xmlns:p14="http://schemas.microsoft.com/office/powerpoint/2010/main">
     <p:fade/>
   </p:transition>
 </p:sldLayout>
@@ -1514,13 +2770,13 @@
     <p:sldLayoutId id="2147483930" r:id="rId3"/>
     <p:sldLayoutId id="2147483931" r:id="rId4"/>
   </p:sldLayoutIdLst>
-  <p:transition>
+  <p:transition xmlns:p14="http://schemas.microsoft.com/office/powerpoint/2010/main">
     <p:fade/>
   </p:transition>
   <p:timing>
     <p:tnLst>
       <p:par>
-        <p:cTn id="1" dur="indefinite" restart="never" nodeType="tmRoot"/>
+        <p:cTn xmlns:p14="http://schemas.microsoft.com/office/powerpoint/2010/main" id="1" dur="indefinite" restart="never" nodeType="tmRoot"/>
       </p:par>
     </p:tnLst>
   </p:timing>
@@ -2093,7 +3349,7 @@
                 <a:solidFill>
                   <a:schemeClr val="accent5"/>
                 </a:solidFill>
-                <a:hlinkClick r:id="rId2"/>
+                <a:hlinkClick r:id="rId3"/>
               </a:rPr>
               <a:t>rvesse@yarcdata.com</a:t>
             </a:r>
@@ -2139,13 +3395,13 @@
   <p:clrMapOvr>
     <a:masterClrMapping/>
   </p:clrMapOvr>
-  <p:transition>
+  <p:transition xmlns:p14="http://schemas.microsoft.com/office/powerpoint/2010/main">
     <p:fade/>
   </p:transition>
   <p:timing>
     <p:tnLst>
       <p:par>
-        <p:cTn id="1" dur="indefinite" restart="never" nodeType="tmRoot"/>
+        <p:cTn xmlns:p14="http://schemas.microsoft.com/office/powerpoint/2010/main" id="1" dur="indefinite" restart="never" nodeType="tmRoot"/>
       </p:par>
     </p:tnLst>
   </p:timing>
@@ -2194,7 +3450,7 @@
       </p:sp>
       <p:pic>
         <p:nvPicPr>
-          <p:cNvPr id="4" name="Content Placeholder 3"/>
+          <p:cNvPr id="7" name="Content Placeholder 6" descr="Screen Shot 2012-05-22 at 11.50.29 AM.png"/>
           <p:cNvPicPr>
             <a:picLocks noGrp="1" noChangeAspect="1"/>
           </p:cNvPicPr>
@@ -2203,23 +3459,19 @@
           </p:nvPr>
         </p:nvPicPr>
         <p:blipFill>
-          <a:blip r:embed="rId2">
+          <a:blip r:embed="rId3">
             <a:extLst>
               <a:ext uri="{28A0092B-C50C-407E-A947-70E740481C1C}">
                 <a14:useLocalDpi xmlns:a14="http://schemas.microsoft.com/office/drawing/2010/main" val="0"/>
               </a:ext>
             </a:extLst>
           </a:blip>
+          <a:srcRect l="783" r="783"/>
           <a:stretch>
             <a:fillRect/>
           </a:stretch>
         </p:blipFill>
-        <p:spPr>
-          <a:xfrm>
-            <a:off x="152400" y="914400"/>
-            <a:ext cx="8755410" cy="5121275"/>
-          </a:xfrm>
-        </p:spPr>
+        <p:spPr/>
       </p:pic>
     </p:spTree>
     <p:extLst>
@@ -2231,7 +3483,7 @@
   <p:clrMapOvr>
     <a:masterClrMapping/>
   </p:clrMapOvr>
-  <p:transition>
+  <p:transition xmlns:p14="http://schemas.microsoft.com/office/powerpoint/2010/main">
     <p:fade/>
   </p:transition>
 </p:sld>
@@ -2279,7 +3531,7 @@
       </p:sp>
       <p:pic>
         <p:nvPicPr>
-          <p:cNvPr id="4" name="Content Placeholder 3"/>
+          <p:cNvPr id="9" name="Content Placeholder 8" descr="Screen Shot 2012-05-22 at 11.55.24 AM.png"/>
           <p:cNvPicPr>
             <a:picLocks noGrp="1" noChangeAspect="1"/>
           </p:cNvPicPr>
@@ -2288,23 +3540,19 @@
           </p:nvPr>
         </p:nvPicPr>
         <p:blipFill>
-          <a:blip r:embed="rId2">
+          <a:blip r:embed="rId3">
             <a:extLst>
               <a:ext uri="{28A0092B-C50C-407E-A947-70E740481C1C}">
                 <a14:useLocalDpi xmlns:a14="http://schemas.microsoft.com/office/drawing/2010/main" val="0"/>
               </a:ext>
             </a:extLst>
           </a:blip>
+          <a:srcRect t="-2285" b="-2285"/>
           <a:stretch>
             <a:fillRect/>
           </a:stretch>
         </p:blipFill>
-        <p:spPr>
-          <a:xfrm>
-            <a:off x="182563" y="1179325"/>
-            <a:ext cx="8778875" cy="4896225"/>
-          </a:xfrm>
-        </p:spPr>
+        <p:spPr/>
       </p:pic>
     </p:spTree>
     <p:extLst>
@@ -2316,7 +3564,7 @@
   <p:clrMapOvr>
     <a:masterClrMapping/>
   </p:clrMapOvr>
-  <p:transition>
+  <p:transition xmlns:p14="http://schemas.microsoft.com/office/powerpoint/2010/main">
     <p:fade/>
   </p:transition>
 </p:sld>
@@ -2386,19 +3634,20 @@
             <a:pPr lvl="1"/>
             <a:r>
               <a:rPr lang="en-US" dirty="0" smtClean="0"/>
-              <a:t>Currently </a:t>
-            </a:r>
-            <a:r>
-              <a:rPr lang="en-US" dirty="0" smtClean="0"/>
-              <a:t>undergoing Legal and IP Clearance</a:t>
+              <a:t>Currently undergoing Legal and IP Clearance</a:t>
             </a:r>
           </a:p>
           <a:p>
             <a:pPr lvl="1"/>
             <a:r>
               <a:rPr lang="en-US" dirty="0" smtClean="0"/>
-              <a:t>Should be open sourced shortly</a:t>
-            </a:r>
+              <a:t>Should be open sourced </a:t>
+            </a:r>
+            <a:r>
+              <a:rPr lang="en-US" dirty="0" smtClean="0"/>
+              <a:t>shortly under a BSD license</a:t>
+            </a:r>
+            <a:endParaRPr lang="en-US" dirty="0" smtClean="0"/>
           </a:p>
           <a:p>
             <a:pPr lvl="1"/>
@@ -2410,11 +3659,7 @@
           <a:p>
             <a:r>
               <a:rPr lang="en-US" dirty="0" smtClean="0"/>
-              <a:t>Example Results data available </a:t>
-            </a:r>
-            <a:r>
-              <a:rPr lang="en-US" dirty="0" smtClean="0"/>
-              <a:t>from:</a:t>
+              <a:t>Example Results data available from:</a:t>
             </a:r>
           </a:p>
           <a:p>
@@ -2437,7 +3682,7 @@
   <p:clrMapOvr>
     <a:masterClrMapping/>
   </p:clrMapOvr>
-  <p:transition>
+  <p:transition xmlns:p14="http://schemas.microsoft.com/office/powerpoint/2010/main">
     <p:fade/>
   </p:transition>
 </p:sld>
@@ -2493,7 +3738,7 @@
   <p:clrMapOvr>
     <a:masterClrMapping/>
   </p:clrMapOvr>
-  <p:transition>
+  <p:transition xmlns:p14="http://schemas.microsoft.com/office/powerpoint/2010/main">
     <p:fade/>
   </p:transition>
 </p:sld>
@@ -2578,11 +3823,7 @@
           <a:p>
             <a:r>
               <a:rPr lang="en-US" dirty="0" smtClean="0"/>
-              <a:t>You need to justify option X over option </a:t>
-            </a:r>
-            <a:r>
-              <a:rPr lang="en-US" dirty="0" smtClean="0"/>
-              <a:t>Y</a:t>
+              <a:t>You need to justify option X over option Y</a:t>
             </a:r>
           </a:p>
           <a:p>
@@ -2606,7 +3847,6 @@
               <a:rPr lang="en-US" dirty="0" smtClean="0"/>
               <a:t>Technical – Does it perform sufficiently?</a:t>
             </a:r>
-            <a:endParaRPr lang="en-US" dirty="0" smtClean="0"/>
           </a:p>
           <a:p>
             <a:r>
@@ -2626,9 +3866,16 @@
   <p:clrMapOvr>
     <a:masterClrMapping/>
   </p:clrMapOvr>
-  <p:transition>
+  <p:transition xmlns:p14="http://schemas.microsoft.com/office/powerpoint/2010/main">
     <p:fade/>
   </p:transition>
+  <p:timing>
+    <p:tnLst>
+      <p:par>
+        <p:cTn xmlns:p14="http://schemas.microsoft.com/office/powerpoint/2010/main" id="1" dur="indefinite" restart="never" nodeType="tmRoot"/>
+      </p:par>
+    </p:tnLst>
+  </p:timing>
 </p:sld>
 </file>
 
@@ -2785,7 +4032,7 @@
   <p:clrMapOvr>
     <a:masterClrMapping/>
   </p:clrMapOvr>
-  <p:transition>
+  <p:transition xmlns:p14="http://schemas.microsoft.com/office/powerpoint/2010/main">
     <p:fade/>
   </p:transition>
 </p:sld>
@@ -2916,7 +4163,7 @@
   <p:clrMapOvr>
     <a:masterClrMapping/>
   </p:clrMapOvr>
-  <p:transition>
+  <p:transition xmlns:p14="http://schemas.microsoft.com/office/powerpoint/2010/main">
     <p:fade/>
   </p:transition>
 </p:sld>
@@ -3116,7 +4363,7 @@
   <p:clrMapOvr>
     <a:masterClrMapping/>
   </p:clrMapOvr>
-  <p:transition>
+  <p:transition xmlns:p14="http://schemas.microsoft.com/office/powerpoint/2010/main">
     <p:fade/>
   </p:transition>
 </p:sld>
@@ -3272,7 +4519,7 @@
   <p:clrMapOvr>
     <a:masterClrMapping/>
   </p:clrMapOvr>
-  <p:transition>
+  <p:transition xmlns:p14="http://schemas.microsoft.com/office/powerpoint/2010/main">
     <p:fade/>
   </p:transition>
 </p:sld>
@@ -3328,7 +4575,7 @@
   <p:clrMapOvr>
     <a:masterClrMapping/>
   </p:clrMapOvr>
-  <p:transition>
+  <p:transition xmlns:p14="http://schemas.microsoft.com/office/powerpoint/2010/main">
     <p:fade/>
   </p:transition>
 </p:sld>
@@ -3407,15 +4654,7 @@
             <a:pPr lvl="1"/>
             <a:r>
               <a:rPr lang="en-US" dirty="0" smtClean="0"/>
-              <a:t>Runs for </a:t>
-            </a:r>
-            <a:r>
-              <a:rPr lang="en-US" dirty="0" smtClean="0"/>
-              <a:t>50k and 250k </a:t>
-            </a:r>
-            <a:r>
-              <a:rPr lang="en-US" dirty="0" smtClean="0"/>
-              <a:t>skipped if store was incapable of performing the run in reasonable time</a:t>
+              <a:t>Runs for 50k and 250k skipped if store was incapable of performing the run in reasonable time</a:t>
             </a:r>
           </a:p>
           <a:p>
@@ -3470,8 +4709,13 @@
             <a:pPr lvl="1"/>
             <a:r>
               <a:rPr lang="en-US" dirty="0" smtClean="0"/>
-              <a:t>Sesame 2.6.5 (Memory and Native Store)</a:t>
-            </a:r>
+              <a:t>Sesame 2.6.5 (Memory and Native </a:t>
+            </a:r>
+            <a:r>
+              <a:rPr lang="en-US" dirty="0" smtClean="0"/>
+              <a:t>Stores)</a:t>
+            </a:r>
+            <a:endParaRPr lang="en-US" dirty="0" smtClean="0"/>
           </a:p>
           <a:p>
             <a:pPr lvl="1"/>
@@ -3496,15 +4740,7 @@
             <a:pPr lvl="1"/>
             <a:r>
               <a:rPr lang="en-US" dirty="0" smtClean="0"/>
-              <a:t>Virtuoso </a:t>
-            </a:r>
-            <a:r>
-              <a:rPr lang="en-US" dirty="0" smtClean="0"/>
-              <a:t>6.1.3 </a:t>
-            </a:r>
-            <a:r>
-              <a:rPr lang="en-US" dirty="0" smtClean="0"/>
-              <a:t>(Open Source Edition)</a:t>
+              <a:t>Virtuoso 6.1.3 (Open Source Edition)</a:t>
             </a:r>
           </a:p>
           <a:p>
@@ -3515,18 +4751,18 @@
             </a:r>
             <a:r>
               <a:rPr lang="en-US" dirty="0" smtClean="0"/>
-              <a:t> (In-Memory Store</a:t>
-            </a:r>
-            <a:r>
-              <a:rPr lang="en-US" dirty="0" smtClean="0"/>
-              <a:t>)</a:t>
+              <a:t> (In-Memory Store)</a:t>
             </a:r>
           </a:p>
           <a:p>
             <a:pPr lvl="1"/>
             <a:r>
-              <a:rPr lang="en-US" dirty="0" smtClean="0"/>
-              <a:t>NB – Final slides may cover more stores subject to time and vendor agreements</a:t>
+              <a:rPr lang="en-US" dirty="0" err="1" smtClean="0"/>
+              <a:t>Stardog</a:t>
+            </a:r>
+            <a:r>
+              <a:rPr lang="en-US" dirty="0" smtClean="0"/>
+              <a:t> 0.9.4 (In-Memory and Disk Stores)</a:t>
             </a:r>
             <a:endParaRPr lang="en-US" dirty="0" smtClean="0"/>
           </a:p>
@@ -3542,7 +4778,7 @@
   <p:clrMapOvr>
     <a:masterClrMapping/>
   </p:clrMapOvr>
-  <p:transition>
+  <p:transition xmlns:p14="http://schemas.microsoft.com/office/powerpoint/2010/main">
     <p:fade/>
   </p:transition>
 </p:sld>
@@ -3594,14 +4830,14 @@
       </p:sp>
       <p:pic>
         <p:nvPicPr>
-          <p:cNvPr id="4" name="Picture 3"/>
+          <p:cNvPr id="6" name="Picture 5" descr="Screen Shot 2012-05-22 at 11.50.42 AM.png"/>
           <p:cNvPicPr>
             <a:picLocks noChangeAspect="1"/>
           </p:cNvPicPr>
           <p:nvPr/>
         </p:nvPicPr>
         <p:blipFill>
-          <a:blip r:embed="rId2">
+          <a:blip r:embed="rId3">
             <a:extLst>
               <a:ext uri="{28A0092B-C50C-407E-A947-70E740481C1C}">
                 <a14:useLocalDpi xmlns:a14="http://schemas.microsoft.com/office/drawing/2010/main" val="0"/>
@@ -3614,8 +4850,8 @@
         </p:blipFill>
         <p:spPr>
           <a:xfrm>
-            <a:off x="0" y="947791"/>
-            <a:ext cx="9144000" cy="4962418"/>
+            <a:off x="0" y="1003300"/>
+            <a:ext cx="9144000" cy="4847805"/>
           </a:xfrm>
           <a:prstGeom prst="rect">
             <a:avLst/>
@@ -3632,7 +4868,7 @@
   <p:clrMapOvr>
     <a:masterClrMapping/>
   </p:clrMapOvr>
-  <p:transition>
+  <p:transition xmlns:p14="http://schemas.microsoft.com/office/powerpoint/2010/main">
     <p:fade/>
   </p:transition>
 </p:sld>

--- a/Slides/SemTech West 2012 Conference Presentation.pptx
+++ b/Slides/SemTech West 2012 Conference Presentation.pptx
@@ -238,7 +238,7 @@
             <a:fld id="{D4A1D733-05F0-427A-BB00-1B0160BD5054}" type="datetimeFigureOut">
               <a:rPr lang="en-US" smtClean="0"/>
               <a:pPr/>
-              <a:t>5/22/12</a:t>
+              <a:t>5/24/12</a:t>
             </a:fld>
             <a:endParaRPr lang="en-US"/>
           </a:p>
@@ -405,7 +405,7 @@
             <a:fld id="{44016A93-A98D-354F-9CDC-CB7C878AEC78}" type="datetimeFigureOut">
               <a:rPr lang="en-US" smtClean="0"/>
               <a:pPr/>
-              <a:t>5/22/12</a:t>
+              <a:t>5/24/12</a:t>
             </a:fld>
             <a:endParaRPr lang="en-US"/>
           </a:p>
@@ -720,7 +720,20 @@
           <a:p>
             <a:r>
               <a:rPr lang="en-US" dirty="0" smtClean="0"/>
-              <a:t>Introduce Myself</a:t>
+              <a:t>Introduce </a:t>
+            </a:r>
+            <a:r>
+              <a:rPr lang="en-US" dirty="0" smtClean="0"/>
+              <a:t>Myself</a:t>
+            </a:r>
+          </a:p>
+          <a:p>
+            <a:endParaRPr lang="en-US" dirty="0"/>
+          </a:p>
+          <a:p>
+            <a:r>
+              <a:rPr lang="en-US" dirty="0" smtClean="0"/>
+              <a:t>May want to add a disclaimer here about views/opinions expressed primarily being my personal ones and not those of the company a la DVD extras disclaimers ;-)</a:t>
             </a:r>
             <a:endParaRPr lang="en-US" dirty="0"/>
           </a:p>
@@ -1058,6 +1071,91 @@
 </p:notes>
 </file>
 
+<file path=ppt/notesSlides/notesSlide13.xml><?xml version="1.0" encoding="utf-8"?>
+<p:notes xmlns:a="http://schemas.openxmlformats.org/drawingml/2006/main" xmlns:r="http://schemas.openxmlformats.org/officeDocument/2006/relationships" xmlns:p="http://schemas.openxmlformats.org/presentationml/2006/main">
+  <p:cSld>
+    <p:spTree>
+      <p:nvGrpSpPr>
+        <p:cNvPr id="1" name=""/>
+        <p:cNvGrpSpPr/>
+        <p:nvPr/>
+      </p:nvGrpSpPr>
+      <p:grpSpPr>
+        <a:xfrm>
+          <a:off x="0" y="0"/>
+          <a:ext cx="0" cy="0"/>
+          <a:chOff x="0" y="0"/>
+          <a:chExt cx="0" cy="0"/>
+        </a:xfrm>
+      </p:grpSpPr>
+      <p:sp>
+        <p:nvSpPr>
+          <p:cNvPr id="2" name="Slide Image Placeholder 1"/>
+          <p:cNvSpPr>
+            <a:spLocks noGrp="1" noRot="1" noChangeAspect="1"/>
+          </p:cNvSpPr>
+          <p:nvPr>
+            <p:ph type="sldImg"/>
+          </p:nvPr>
+        </p:nvSpPr>
+        <p:spPr/>
+      </p:sp>
+      <p:sp>
+        <p:nvSpPr>
+          <p:cNvPr id="3" name="Notes Placeholder 2"/>
+          <p:cNvSpPr>
+            <a:spLocks noGrp="1"/>
+          </p:cNvSpPr>
+          <p:nvPr>
+            <p:ph type="body" idx="1"/>
+          </p:nvPr>
+        </p:nvSpPr>
+        <p:spPr/>
+        <p:txBody>
+          <a:bodyPr/>
+          <a:lstStyle/>
+          <a:p>
+            <a:endParaRPr lang="en-US"/>
+          </a:p>
+        </p:txBody>
+      </p:sp>
+      <p:sp>
+        <p:nvSpPr>
+          <p:cNvPr id="4" name="Slide Number Placeholder 3"/>
+          <p:cNvSpPr>
+            <a:spLocks noGrp="1"/>
+          </p:cNvSpPr>
+          <p:nvPr>
+            <p:ph type="sldNum" sz="quarter" idx="10"/>
+          </p:nvPr>
+        </p:nvSpPr>
+        <p:spPr/>
+        <p:txBody>
+          <a:bodyPr/>
+          <a:lstStyle/>
+          <a:p>
+            <a:fld id="{7E71426E-5493-D847-9A17-A412A16BE0E0}" type="slidenum">
+              <a:rPr lang="en-US" smtClean="0"/>
+              <a:pPr/>
+              <a:t>13</a:t>
+            </a:fld>
+            <a:endParaRPr lang="en-US"/>
+          </a:p>
+        </p:txBody>
+      </p:sp>
+    </p:spTree>
+    <p:extLst>
+      <p:ext uri="{BB962C8B-B14F-4D97-AF65-F5344CB8AC3E}">
+        <p14:creationId xmlns:p14="http://schemas.microsoft.com/office/powerpoint/2010/main" val="278136556"/>
+      </p:ext>
+    </p:extLst>
+  </p:cSld>
+  <p:clrMapOvr>
+    <a:masterClrMapping/>
+  </p:clrMapOvr>
+</p:notes>
+</file>
+
 <file path=ppt/notesSlides/notesSlide2.xml><?xml version="1.0" encoding="utf-8"?>
 <p:notes xmlns:a="http://schemas.openxmlformats.org/drawingml/2006/main" xmlns:r="http://schemas.openxmlformats.org/officeDocument/2006/relationships" xmlns:p="http://schemas.openxmlformats.org/presentationml/2006/main">
   <p:cSld>
@@ -1479,7 +1577,28 @@
           <a:p>
             <a:r>
               <a:rPr lang="en-US" dirty="0" smtClean="0"/>
-              <a:t>Describe the methodology in detail</a:t>
+              <a:t>Describe the methodology in </a:t>
+            </a:r>
+            <a:r>
+              <a:rPr lang="en-US" dirty="0" smtClean="0"/>
+              <a:t>detail</a:t>
+            </a:r>
+          </a:p>
+          <a:p>
+            <a:endParaRPr lang="en-US" dirty="0"/>
+          </a:p>
+          <a:p>
+            <a:r>
+              <a:rPr lang="en-US" dirty="0" smtClean="0"/>
+              <a:t>Note that this is based on an amalgamation of the BSBM style and </a:t>
+            </a:r>
+            <a:r>
+              <a:rPr lang="en-US" dirty="0" err="1" smtClean="0"/>
+              <a:t>Revelytix</a:t>
+            </a:r>
+            <a:r>
+              <a:rPr lang="en-US" dirty="0" smtClean="0"/>
+              <a:t> SP2B methodologies</a:t>
             </a:r>
             <a:endParaRPr lang="en-US" dirty="0"/>
           </a:p>
@@ -1568,7 +1687,20 @@
           <a:p>
             <a:r>
               <a:rPr lang="en-US" dirty="0" smtClean="0"/>
-              <a:t>Key Point is to cover difference between Response Time and Runtime</a:t>
+              <a:t>Key Point is to cover difference between Response Time and </a:t>
+            </a:r>
+            <a:r>
+              <a:rPr lang="en-US" dirty="0" smtClean="0"/>
+              <a:t>Runtime</a:t>
+            </a:r>
+          </a:p>
+          <a:p>
+            <a:endParaRPr lang="en-US" dirty="0"/>
+          </a:p>
+          <a:p>
+            <a:r>
+              <a:rPr lang="en-US" dirty="0" smtClean="0"/>
+              <a:t>Note that this stat can give some interesting information about how stores execute queries – almost instant response time but much longer runtime indicates streaming execution.  Long response time with small difference to runtime indicates a batch execution.</a:t>
             </a:r>
             <a:endParaRPr lang="en-US" dirty="0"/>
           </a:p>
@@ -1673,8 +1805,21 @@
             </a:r>
             <a:r>
               <a:rPr lang="en-US" dirty="0" smtClean="0"/>
-              <a:t> instance to run against</a:t>
-            </a:r>
+              <a:t> instance to run </a:t>
+            </a:r>
+            <a:r>
+              <a:rPr lang="en-US" dirty="0" smtClean="0"/>
+              <a:t>against – likely safer to use </a:t>
+            </a:r>
+            <a:r>
+              <a:rPr lang="en-US" dirty="0" err="1" smtClean="0"/>
+              <a:t>Fuseki</a:t>
+            </a:r>
+            <a:r>
+              <a:rPr lang="en-US" dirty="0" smtClean="0"/>
+              <a:t> as easier to ensure running and open source so no appearance of bias to a commercial product</a:t>
+            </a:r>
+            <a:endParaRPr lang="en-US" dirty="0" smtClean="0"/>
           </a:p>
           <a:p>
             <a:endParaRPr lang="en-US" dirty="0"/>
@@ -1682,8 +1827,13 @@
           <a:p>
             <a:r>
               <a:rPr lang="en-US" dirty="0" smtClean="0"/>
-              <a:t>Run on SP2B 10k</a:t>
-            </a:r>
+              <a:t>Run on SP2B </a:t>
+            </a:r>
+            <a:r>
+              <a:rPr lang="en-US" dirty="0" smtClean="0"/>
+              <a:t>10k – will complete in reasonable time while I’m talking – suggest using a limited number of runs for demo purposes.</a:t>
+            </a:r>
+            <a:endParaRPr lang="en-US" dirty="0" smtClean="0"/>
           </a:p>
           <a:p>
             <a:endParaRPr lang="en-US" dirty="0"/>
@@ -1691,7 +1841,41 @@
           <a:p>
             <a:r>
               <a:rPr lang="en-US" dirty="0" smtClean="0"/>
-              <a:t>Show the output data (CSV and XML)</a:t>
+              <a:t>Show the output data (CSV and XML</a:t>
+            </a:r>
+            <a:r>
+              <a:rPr lang="en-US" dirty="0" smtClean="0"/>
+              <a:t>)</a:t>
+            </a:r>
+          </a:p>
+          <a:p>
+            <a:pPr marL="171450" indent="-171450">
+              <a:buFont typeface="Arial"/>
+              <a:buChar char="•"/>
+            </a:pPr>
+            <a:r>
+              <a:rPr lang="en-US" dirty="0" smtClean="0"/>
+              <a:t>Key difference is CSV converts to seconds while XML uses raw nanoseconds</a:t>
+            </a:r>
+          </a:p>
+          <a:p>
+            <a:pPr marL="171450" indent="-171450">
+              <a:buFont typeface="Arial"/>
+              <a:buChar char="•"/>
+            </a:pPr>
+            <a:r>
+              <a:rPr lang="en-US" dirty="0" smtClean="0"/>
+              <a:t>XML is better for post processing</a:t>
+            </a:r>
+          </a:p>
+          <a:p>
+            <a:pPr marL="171450" indent="-171450">
+              <a:buFont typeface="Arial"/>
+              <a:buChar char="•"/>
+            </a:pPr>
+            <a:r>
+              <a:rPr lang="en-US" dirty="0" smtClean="0"/>
+              <a:t>CSV useful for quick import into Spreadsheet tools</a:t>
             </a:r>
             <a:endParaRPr lang="en-US" dirty="0"/>
           </a:p>
@@ -1780,8 +1964,31 @@
           <a:p>
             <a:r>
               <a:rPr lang="en-US" dirty="0" smtClean="0"/>
-              <a:t>Discuss the setup for the example results – why the stores were chosen</a:t>
-            </a:r>
+              <a:t>Discuss the setup for the example results – why the stores were </a:t>
+            </a:r>
+            <a:r>
+              <a:rPr lang="en-US" dirty="0" smtClean="0"/>
+              <a:t>chosen?</a:t>
+            </a:r>
+          </a:p>
+          <a:p>
+            <a:pPr marL="171450" indent="-171450">
+              <a:buFont typeface="Arial"/>
+              <a:buChar char="•"/>
+            </a:pPr>
+            <a:r>
+              <a:rPr lang="en-US" dirty="0" smtClean="0"/>
+              <a:t>Ease of availability (open source, runnable on *nix, personal interest </a:t>
+            </a:r>
+            <a:r>
+              <a:rPr lang="en-US" dirty="0" err="1" smtClean="0"/>
+              <a:t>etc</a:t>
+            </a:r>
+            <a:r>
+              <a:rPr lang="en-US" dirty="0" smtClean="0"/>
+              <a:t>)</a:t>
+            </a:r>
+            <a:endParaRPr lang="en-US" dirty="0" smtClean="0"/>
           </a:p>
           <a:p>
             <a:endParaRPr lang="en-US" dirty="0"/>
@@ -1789,7 +1996,49 @@
           <a:p>
             <a:r>
               <a:rPr lang="en-US" dirty="0" smtClean="0"/>
-              <a:t>Ensure to highlight YMMV</a:t>
+              <a:t>Ensure to highlight </a:t>
+            </a:r>
+            <a:r>
+              <a:rPr lang="en-US" dirty="0" smtClean="0"/>
+              <a:t>YMMV</a:t>
+            </a:r>
+          </a:p>
+          <a:p>
+            <a:endParaRPr lang="en-US" dirty="0"/>
+          </a:p>
+          <a:p>
+            <a:r>
+              <a:rPr lang="en-US" b="1" dirty="0" smtClean="0"/>
+              <a:t>Disclaimer</a:t>
+            </a:r>
+            <a:r>
+              <a:rPr lang="en-US" dirty="0" smtClean="0"/>
+              <a:t> – Be sure to state that this is just a arbitrarily selected sample of stores and that performance indicated here may not be representative of the true performance of any store. </a:t>
+            </a:r>
+            <a:r>
+              <a:rPr lang="en-US" dirty="0"/>
+              <a:t> </a:t>
+            </a:r>
+            <a:r>
+              <a:rPr lang="en-US" dirty="0" smtClean="0"/>
+              <a:t>Most importantly Cray/</a:t>
+            </a:r>
+            <a:r>
+              <a:rPr lang="en-US" dirty="0" err="1" smtClean="0"/>
+              <a:t>YarcData</a:t>
+            </a:r>
+            <a:r>
+              <a:rPr lang="en-US" dirty="0" smtClean="0"/>
+              <a:t> is not endorsing any specific store.</a:t>
+            </a:r>
+          </a:p>
+          <a:p>
+            <a:endParaRPr lang="en-US" b="1" dirty="0"/>
+          </a:p>
+          <a:p>
+            <a:r>
+              <a:rPr lang="en-US" dirty="0" smtClean="0"/>
+              <a:t>Again point out the importance of people running their own benchmarks</a:t>
             </a:r>
             <a:endParaRPr lang="en-US" dirty="0"/>
           </a:p>
@@ -1887,7 +2136,20 @@
           <a:p>
             <a:r>
               <a:rPr lang="en-US" dirty="0" smtClean="0"/>
-              <a:t>Logarithmic Scale</a:t>
+              <a:t>Logarithmic </a:t>
+            </a:r>
+            <a:r>
+              <a:rPr lang="en-US" dirty="0" smtClean="0"/>
+              <a:t>Scale</a:t>
+            </a:r>
+          </a:p>
+          <a:p>
+            <a:endParaRPr lang="en-US" dirty="0"/>
+          </a:p>
+          <a:p>
+            <a:r>
+              <a:rPr lang="en-US" dirty="0" smtClean="0"/>
+              <a:t>Make sure to mention that the fact that many stores did not complete on the 50k and 250k sizes doesn’t mean they are defective, merely that with the machine resources available they couldn’t run in a timely fashion.  This leads nicely to the point that it is important to benchmark on the hardware you actually intend to use.</a:t>
             </a:r>
             <a:endParaRPr lang="en-US" dirty="0"/>
           </a:p>
@@ -3641,11 +3903,46 @@
             <a:pPr lvl="1"/>
             <a:r>
               <a:rPr lang="en-US" dirty="0" smtClean="0"/>
-              <a:t>Should be open sourced </a:t>
-            </a:r>
-            <a:r>
-              <a:rPr lang="en-US" dirty="0" smtClean="0"/>
-              <a:t>shortly under a BSD license</a:t>
+              <a:t>Should be open sourced shortly under a BSD </a:t>
+            </a:r>
+            <a:r>
+              <a:rPr lang="en-US" dirty="0" smtClean="0"/>
+              <a:t>license</a:t>
+            </a:r>
+          </a:p>
+          <a:p>
+            <a:pPr lvl="1"/>
+            <a:r>
+              <a:rPr lang="en-US" dirty="0" smtClean="0"/>
+              <a:t>Will be available </a:t>
+            </a:r>
+            <a:r>
+              <a:rPr lang="en-US" dirty="0"/>
+              <a:t>from https://</a:t>
+            </a:r>
+            <a:r>
+              <a:rPr lang="en-US" dirty="0" err="1"/>
+              <a:t>sourceforge.net</a:t>
+            </a:r>
+            <a:r>
+              <a:rPr lang="en-US" dirty="0"/>
+              <a:t>/p/</a:t>
+            </a:r>
+            <a:r>
+              <a:rPr lang="en-US" dirty="0" err="1"/>
+              <a:t>sparql</a:t>
+            </a:r>
+            <a:r>
+              <a:rPr lang="en-US" dirty="0"/>
+              <a:t>-query-</a:t>
+            </a:r>
+            <a:r>
+              <a:rPr lang="en-US" dirty="0" err="1"/>
+              <a:t>bm</a:t>
+            </a:r>
+            <a:r>
+              <a:rPr lang="en-US" dirty="0"/>
+              <a:t>/admin/</a:t>
             </a:r>
             <a:endParaRPr lang="en-US" dirty="0" smtClean="0"/>
           </a:p>
@@ -3665,8 +3962,32 @@
           <a:p>
             <a:pPr lvl="1"/>
             <a:r>
-              <a:rPr lang="en-US" dirty="0" smtClean="0"/>
-              <a:t>TBC – Will be available on day of presentation</a:t>
+              <a:rPr lang="en-US" dirty="0"/>
+              <a:t>https://</a:t>
+            </a:r>
+            <a:r>
+              <a:rPr lang="en-US" dirty="0" err="1"/>
+              <a:t>sourceforge.net</a:t>
+            </a:r>
+            <a:r>
+              <a:rPr lang="en-US" dirty="0"/>
+              <a:t>/p/</a:t>
+            </a:r>
+            <a:r>
+              <a:rPr lang="en-US" dirty="0" err="1"/>
+              <a:t>sparql</a:t>
+            </a:r>
+            <a:r>
+              <a:rPr lang="en-US" dirty="0"/>
+              <a:t>-query-</a:t>
+            </a:r>
+            <a:r>
+              <a:rPr lang="en-US" dirty="0" err="1"/>
+              <a:t>bm</a:t>
+            </a:r>
+            <a:r>
+              <a:rPr lang="en-US" dirty="0"/>
+              <a:t>/code/7/tree/trunk/documents/reports/semtech2012/</a:t>
             </a:r>
             <a:endParaRPr lang="en-US" dirty="0"/>
           </a:p>
@@ -4709,13 +5030,8 @@
             <a:pPr lvl="1"/>
             <a:r>
               <a:rPr lang="en-US" dirty="0" smtClean="0"/>
-              <a:t>Sesame 2.6.5 (Memory and Native </a:t>
-            </a:r>
-            <a:r>
-              <a:rPr lang="en-US" dirty="0" smtClean="0"/>
-              <a:t>Stores)</a:t>
-            </a:r>
-            <a:endParaRPr lang="en-US" dirty="0" smtClean="0"/>
+              <a:t>Sesame 2.6.5 (Memory and Native Stores)</a:t>
+            </a:r>
           </a:p>
           <a:p>
             <a:pPr lvl="1"/>
@@ -4764,7 +5080,6 @@
               <a:rPr lang="en-US" dirty="0" smtClean="0"/>
               <a:t> 0.9.4 (In-Memory and Disk Stores)</a:t>
             </a:r>
-            <a:endParaRPr lang="en-US" dirty="0" smtClean="0"/>
           </a:p>
         </p:txBody>
       </p:sp>
